--- a/Class 2.pptx
+++ b/Class 2.pptx
@@ -1,6 +1,6 @@
 
 <file path=ppt/presentation.xml><?xml version="1.0" encoding="utf-8"?>
-<p:presentation xmlns:a="http://schemas.openxmlformats.org/drawingml/2006/main" xmlns:r="http://schemas.openxmlformats.org/officeDocument/2006/relationships" xmlns:p="http://schemas.openxmlformats.org/presentationml/2006/main" saveSubsetFonts="1">
+<p:presentation xmlns:a="http://schemas.openxmlformats.org/drawingml/2006/main" xmlns:r="http://schemas.openxmlformats.org/officeDocument/2006/relationships" xmlns:p="http://schemas.openxmlformats.org/presentationml/2006/main" embedTrueTypeFonts="1" saveSubsetFonts="1">
   <p:sldMasterIdLst>
     <p:sldMasterId id="2147483660" r:id="rId1"/>
   </p:sldMasterIdLst>
@@ -34,6 +34,35 @@
   </p:sldIdLst>
   <p:sldSz cx="12192000" cy="6858000"/>
   <p:notesSz cx="6858000" cy="9144000"/>
+  <p:embeddedFontLst>
+    <p:embeddedFont>
+      <p:font typeface="微軟正黑體" panose="020B0604030504040204" pitchFamily="34" charset="-120"/>
+      <p:regular r:id="rId28"/>
+      <p:bold r:id="rId29"/>
+    </p:embeddedFont>
+    <p:embeddedFont>
+      <p:font typeface="源流明體 SB" panose="02020600000000000000" pitchFamily="18" charset="-120"/>
+      <p:bold r:id="rId30"/>
+    </p:embeddedFont>
+    <p:embeddedFont>
+      <p:font typeface="Consolas" panose="020B0609020204030204" pitchFamily="49" charset="0"/>
+      <p:regular r:id="rId31"/>
+      <p:bold r:id="rId32"/>
+      <p:italic r:id="rId33"/>
+      <p:boldItalic r:id="rId34"/>
+    </p:embeddedFont>
+    <p:embeddedFont>
+      <p:font typeface="Hack NF" panose="020B0609030202020204" pitchFamily="49" charset="0"/>
+      <p:regular r:id="rId35"/>
+      <p:bold r:id="rId36"/>
+      <p:italic r:id="rId37"/>
+      <p:boldItalic r:id="rId38"/>
+    </p:embeddedFont>
+    <p:embeddedFont>
+      <p:font typeface="Wingdings 2" panose="05020102010507070707" pitchFamily="18" charset="2"/>
+      <p:regular r:id="rId39"/>
+    </p:embeddedFont>
+  </p:embeddedFontLst>
   <p:defaultTextStyle>
     <a:defPPr>
       <a:defRPr lang="en-US"/>

--- a/Class 2.pptx
+++ b/Class 2.pptx
@@ -16,51 +16,55 @@
     <p:sldId id="264" r:id="rId10"/>
     <p:sldId id="270" r:id="rId11"/>
     <p:sldId id="271" r:id="rId12"/>
-    <p:sldId id="272" r:id="rId13"/>
-    <p:sldId id="273" r:id="rId14"/>
-    <p:sldId id="274" r:id="rId15"/>
-    <p:sldId id="275" r:id="rId16"/>
-    <p:sldId id="257" r:id="rId17"/>
-    <p:sldId id="277" r:id="rId18"/>
-    <p:sldId id="281" r:id="rId19"/>
-    <p:sldId id="278" r:id="rId20"/>
-    <p:sldId id="276" r:id="rId21"/>
-    <p:sldId id="279" r:id="rId22"/>
-    <p:sldId id="280" r:id="rId23"/>
-    <p:sldId id="284" r:id="rId24"/>
-    <p:sldId id="283" r:id="rId25"/>
-    <p:sldId id="285" r:id="rId26"/>
-    <p:sldId id="286" r:id="rId27"/>
+    <p:sldId id="273" r:id="rId13"/>
+    <p:sldId id="274" r:id="rId14"/>
+    <p:sldId id="275" r:id="rId15"/>
+    <p:sldId id="257" r:id="rId16"/>
+    <p:sldId id="277" r:id="rId17"/>
+    <p:sldId id="281" r:id="rId18"/>
+    <p:sldId id="278" r:id="rId19"/>
+    <p:sldId id="276" r:id="rId20"/>
+    <p:sldId id="279" r:id="rId21"/>
+    <p:sldId id="280" r:id="rId22"/>
+    <p:sldId id="284" r:id="rId23"/>
+    <p:sldId id="283" r:id="rId24"/>
+    <p:sldId id="285" r:id="rId25"/>
+    <p:sldId id="286" r:id="rId26"/>
   </p:sldIdLst>
   <p:sldSz cx="12192000" cy="6858000"/>
   <p:notesSz cx="6858000" cy="9144000"/>
   <p:embeddedFontLst>
     <p:embeddedFont>
-      <p:font typeface="微軟正黑體" panose="020B0604030504040204" pitchFamily="34" charset="-120"/>
-      <p:regular r:id="rId28"/>
-      <p:bold r:id="rId29"/>
-    </p:embeddedFont>
-    <p:embeddedFont>
-      <p:font typeface="源流明體 SB" panose="02020600000000000000" pitchFamily="18" charset="-120"/>
-      <p:bold r:id="rId30"/>
+      <p:font typeface="源流明體 SB" panose="02020500000000000000" charset="-120"/>
+      <p:bold r:id="rId27"/>
     </p:embeddedFont>
     <p:embeddedFont>
       <p:font typeface="Consolas" panose="020B0609020204030204" pitchFamily="49" charset="0"/>
-      <p:regular r:id="rId31"/>
-      <p:bold r:id="rId32"/>
-      <p:italic r:id="rId33"/>
-      <p:boldItalic r:id="rId34"/>
+      <p:regular r:id="rId28"/>
+      <p:bold r:id="rId29"/>
+      <p:italic r:id="rId30"/>
+      <p:boldItalic r:id="rId31"/>
+    </p:embeddedFont>
+    <p:embeddedFont>
+      <p:font typeface="Fira Code" panose="020B0809050000020004" pitchFamily="49" charset="0"/>
+      <p:regular r:id="rId32"/>
+      <p:bold r:id="rId33"/>
     </p:embeddedFont>
     <p:embeddedFont>
       <p:font typeface="Hack NF" panose="020B0609030202020204" pitchFamily="49" charset="0"/>
-      <p:regular r:id="rId35"/>
-      <p:bold r:id="rId36"/>
-      <p:italic r:id="rId37"/>
-      <p:boldItalic r:id="rId38"/>
+      <p:regular r:id="rId34"/>
+      <p:bold r:id="rId35"/>
+      <p:italic r:id="rId36"/>
+      <p:boldItalic r:id="rId37"/>
     </p:embeddedFont>
     <p:embeddedFont>
       <p:font typeface="Wingdings 2" panose="05020102010507070707" pitchFamily="18" charset="2"/>
+      <p:regular r:id="rId38"/>
+    </p:embeddedFont>
+    <p:embeddedFont>
+      <p:font typeface="微軟正黑體" panose="020B0604030504040204" pitchFamily="34" charset="-120"/>
       <p:regular r:id="rId39"/>
+      <p:bold r:id="rId40"/>
     </p:embeddedFont>
   </p:embeddedFontLst>
   <p:defaultTextStyle>
@@ -2676,7 +2680,7 @@
               <a:rPr lang="zh-TW" altLang="en-US"/>
               <a:t>按一下圖示以新增圖片</a:t>
             </a:r>
-            <a:endParaRPr lang="en-US" dirty="0"/>
+            <a:endParaRPr lang="en-US"/>
           </a:p>
         </p:txBody>
       </p:sp>
@@ -3731,7 +3735,7 @@
                     <a:lstStyle/>
                     <a:p>
                       <a:pPr algn="ctr"/>
-                      <a:endParaRPr lang="zh-TW" altLang="en-US" sz="2800" baseline="0" dirty="0">
+                      <a:endParaRPr lang="zh-TW" altLang="en-US" sz="2800" baseline="0">
                         <a:solidFill>
                           <a:srgbClr val="C00000"/>
                         </a:solidFill>
@@ -3797,7 +3801,7 @@
                         </a:rPr>
                         <a:t>a</a:t>
                       </a:r>
-                      <a:endParaRPr lang="zh-TW" altLang="en-US" sz="2800" baseline="0" dirty="0">
+                      <a:endParaRPr lang="zh-TW" altLang="en-US" sz="2800" baseline="0">
                         <a:solidFill>
                           <a:srgbClr val="C00000"/>
                         </a:solidFill>
@@ -3863,7 +3867,7 @@
                         </a:rPr>
                         <a:t>num</a:t>
                       </a:r>
-                      <a:endParaRPr lang="zh-TW" altLang="en-US" sz="2800" baseline="0" dirty="0">
+                      <a:endParaRPr lang="zh-TW" altLang="en-US" sz="2800" baseline="0">
                         <a:solidFill>
                           <a:srgbClr val="C00000"/>
                         </a:solidFill>
@@ -3919,7 +3923,7 @@
                     <a:lstStyle/>
                     <a:p>
                       <a:pPr algn="ctr"/>
-                      <a:endParaRPr lang="zh-TW" altLang="en-US" sz="2800" baseline="0" dirty="0">
+                      <a:endParaRPr lang="zh-TW" altLang="en-US" sz="2800" baseline="0">
                         <a:solidFill>
                           <a:srgbClr val="C00000"/>
                         </a:solidFill>
@@ -3975,7 +3979,7 @@
                     <a:lstStyle/>
                     <a:p>
                       <a:pPr algn="ctr"/>
-                      <a:endParaRPr lang="zh-TW" altLang="en-US" sz="2800" baseline="0" dirty="0">
+                      <a:endParaRPr lang="zh-TW" altLang="en-US" sz="2800" baseline="0">
                         <a:solidFill>
                           <a:srgbClr val="C00000"/>
                         </a:solidFill>
@@ -4031,7 +4035,7 @@
                     <a:lstStyle/>
                     <a:p>
                       <a:pPr algn="ctr"/>
-                      <a:endParaRPr lang="zh-TW" altLang="en-US" sz="2800" baseline="0" dirty="0">
+                      <a:endParaRPr lang="zh-TW" altLang="en-US" sz="2800" baseline="0">
                         <a:solidFill>
                           <a:srgbClr val="C00000"/>
                         </a:solidFill>
@@ -4094,7 +4098,7 @@
                     <a:lstStyle/>
                     <a:p>
                       <a:pPr algn="ctr"/>
-                      <a:endParaRPr lang="zh-TW" altLang="en-US" sz="2800" baseline="0" dirty="0">
+                      <a:endParaRPr lang="zh-TW" altLang="en-US" sz="2800" baseline="0">
                         <a:solidFill>
                           <a:schemeClr val="tx2"/>
                         </a:solidFill>
@@ -4166,7 +4170,7 @@
                         </a:rPr>
                         <a:t>num</a:t>
                       </a:r>
-                      <a:endParaRPr lang="zh-TW" altLang="en-US" sz="2800" baseline="0" dirty="0">
+                      <a:endParaRPr lang="zh-TW" altLang="en-US" sz="2800" baseline="0">
                         <a:solidFill>
                           <a:srgbClr val="C00000"/>
                         </a:solidFill>
@@ -4238,7 +4242,7 @@
                         </a:rPr>
                         <a:t>-2</a:t>
                       </a:r>
-                      <a:endParaRPr lang="zh-TW" altLang="en-US" sz="2800" baseline="0" dirty="0">
+                      <a:endParaRPr lang="zh-TW" altLang="en-US" sz="2800" baseline="0">
                         <a:solidFill>
                           <a:schemeClr val="tx2"/>
                         </a:solidFill>
@@ -4300,7 +4304,7 @@
                     <a:lstStyle/>
                     <a:p>
                       <a:pPr algn="ctr"/>
-                      <a:endParaRPr lang="zh-TW" altLang="en-US" sz="2800" baseline="0" dirty="0">
+                      <a:endParaRPr lang="zh-TW" altLang="en-US" sz="2800" baseline="0">
                         <a:solidFill>
                           <a:schemeClr val="tx2"/>
                         </a:solidFill>
@@ -4362,7 +4366,7 @@
                     <a:lstStyle/>
                     <a:p>
                       <a:pPr algn="ctr"/>
-                      <a:endParaRPr lang="zh-TW" altLang="en-US" sz="2800" baseline="0" dirty="0">
+                      <a:endParaRPr lang="zh-TW" altLang="en-US" sz="2800" baseline="0">
                         <a:solidFill>
                           <a:schemeClr val="tx2"/>
                         </a:solidFill>
@@ -4424,7 +4428,7 @@
                     <a:lstStyle/>
                     <a:p>
                       <a:pPr algn="ctr"/>
-                      <a:endParaRPr lang="zh-TW" altLang="en-US" sz="2800" baseline="0" dirty="0">
+                      <a:endParaRPr lang="zh-TW" altLang="en-US" sz="2800" baseline="0">
                         <a:solidFill>
                           <a:schemeClr val="tx2"/>
                         </a:solidFill>
@@ -4519,7 +4523,7 @@
           <a:lstStyle/>
           <a:p>
             <a:r>
-              <a:rPr lang="en-US" altLang="zh-TW" sz="2000" dirty="0">
+              <a:rPr lang="en-US" altLang="zh-TW" sz="2000">
                 <a:solidFill>
                   <a:schemeClr val="tx2"/>
                 </a:solidFill>
@@ -4560,7 +4564,7 @@
           <a:lstStyle/>
           <a:p>
             <a:r>
-              <a:rPr lang="en-US" altLang="zh-TW" sz="2000" dirty="0">
+              <a:rPr lang="en-US" altLang="zh-TW" sz="2000">
                 <a:solidFill>
                   <a:schemeClr val="tx2"/>
                 </a:solidFill>
@@ -4829,7 +4833,7 @@
                     <a:lstStyle/>
                     <a:p>
                       <a:pPr algn="ctr"/>
-                      <a:endParaRPr lang="zh-TW" altLang="en-US" sz="2800" baseline="0" dirty="0">
+                      <a:endParaRPr lang="zh-TW" altLang="en-US" sz="2800" baseline="0">
                         <a:solidFill>
                           <a:srgbClr val="C00000"/>
                         </a:solidFill>
@@ -4895,7 +4899,7 @@
                         </a:rPr>
                         <a:t>a</a:t>
                       </a:r>
-                      <a:endParaRPr lang="zh-TW" altLang="en-US" sz="2800" baseline="0" dirty="0">
+                      <a:endParaRPr lang="zh-TW" altLang="en-US" sz="2800" baseline="0">
                         <a:solidFill>
                           <a:srgbClr val="C00000"/>
                         </a:solidFill>
@@ -4961,7 +4965,7 @@
                         </a:rPr>
                         <a:t>num</a:t>
                       </a:r>
-                      <a:endParaRPr lang="zh-TW" altLang="en-US" sz="2800" baseline="0" dirty="0">
+                      <a:endParaRPr lang="zh-TW" altLang="en-US" sz="2800" baseline="0">
                         <a:solidFill>
                           <a:srgbClr val="C00000"/>
                         </a:solidFill>
@@ -5017,7 +5021,7 @@
                     <a:lstStyle/>
                     <a:p>
                       <a:pPr algn="ctr"/>
-                      <a:endParaRPr lang="zh-TW" altLang="en-US" sz="2800" baseline="0" dirty="0">
+                      <a:endParaRPr lang="zh-TW" altLang="en-US" sz="2800" baseline="0">
                         <a:solidFill>
                           <a:srgbClr val="C00000"/>
                         </a:solidFill>
@@ -5073,7 +5077,7 @@
                     <a:lstStyle/>
                     <a:p>
                       <a:pPr algn="ctr"/>
-                      <a:endParaRPr lang="zh-TW" altLang="en-US" sz="2800" baseline="0" dirty="0">
+                      <a:endParaRPr lang="zh-TW" altLang="en-US" sz="2800" baseline="0">
                         <a:solidFill>
                           <a:srgbClr val="C00000"/>
                         </a:solidFill>
@@ -5129,7 +5133,7 @@
                     <a:lstStyle/>
                     <a:p>
                       <a:pPr algn="ctr"/>
-                      <a:endParaRPr lang="zh-TW" altLang="en-US" sz="2800" baseline="0" dirty="0">
+                      <a:endParaRPr lang="zh-TW" altLang="en-US" sz="2800" baseline="0">
                         <a:solidFill>
                           <a:srgbClr val="C00000"/>
                         </a:solidFill>
@@ -5192,7 +5196,7 @@
                     <a:lstStyle/>
                     <a:p>
                       <a:pPr algn="ctr"/>
-                      <a:endParaRPr lang="zh-TW" altLang="en-US" sz="2800" baseline="0" dirty="0">
+                      <a:endParaRPr lang="zh-TW" altLang="en-US" sz="2800" baseline="0">
                         <a:solidFill>
                           <a:schemeClr val="tx2"/>
                         </a:solidFill>
@@ -5352,7 +5356,7 @@
                         </a:rPr>
                         <a:t>-2</a:t>
                       </a:r>
-                      <a:endParaRPr lang="zh-TW" altLang="en-US" sz="2800" baseline="0" dirty="0">
+                      <a:endParaRPr lang="zh-TW" altLang="en-US" sz="2800" baseline="0">
                         <a:solidFill>
                           <a:schemeClr val="tx2"/>
                         </a:solidFill>
@@ -5414,7 +5418,7 @@
                     <a:lstStyle/>
                     <a:p>
                       <a:pPr algn="ctr"/>
-                      <a:endParaRPr lang="zh-TW" altLang="en-US" sz="2800" baseline="0" dirty="0">
+                      <a:endParaRPr lang="zh-TW" altLang="en-US" sz="2800" baseline="0">
                         <a:solidFill>
                           <a:schemeClr val="tx2"/>
                         </a:solidFill>
@@ -5476,7 +5480,7 @@
                     <a:lstStyle/>
                     <a:p>
                       <a:pPr algn="ctr"/>
-                      <a:endParaRPr lang="zh-TW" altLang="en-US" sz="2800" baseline="0" dirty="0">
+                      <a:endParaRPr lang="zh-TW" altLang="en-US" sz="2800" baseline="0">
                         <a:solidFill>
                           <a:schemeClr val="tx2"/>
                         </a:solidFill>
@@ -5538,7 +5542,7 @@
                     <a:lstStyle/>
                     <a:p>
                       <a:pPr algn="ctr"/>
-                      <a:endParaRPr lang="zh-TW" altLang="en-US" sz="2800" baseline="0" dirty="0">
+                      <a:endParaRPr lang="zh-TW" altLang="en-US" sz="2800" baseline="0">
                         <a:solidFill>
                           <a:schemeClr val="tx2"/>
                         </a:solidFill>
@@ -5633,7 +5637,7 @@
           <a:lstStyle/>
           <a:p>
             <a:r>
-              <a:rPr lang="en-US" altLang="zh-TW" sz="2000" dirty="0">
+              <a:rPr lang="en-US" altLang="zh-TW" sz="2000">
                 <a:solidFill>
                   <a:schemeClr val="tx2"/>
                 </a:solidFill>
@@ -5674,7 +5678,7 @@
           <a:lstStyle/>
           <a:p>
             <a:r>
-              <a:rPr lang="en-US" altLang="zh-TW" sz="2000" dirty="0">
+              <a:rPr lang="en-US" altLang="zh-TW" sz="2000">
                 <a:solidFill>
                   <a:schemeClr val="tx2"/>
                 </a:solidFill>
@@ -5820,98 +5824,6 @@
 </file>
 
 <file path=ppt/slides/slide12.xml><?xml version="1.0" encoding="utf-8"?>
-<p:sld xmlns:a="http://schemas.openxmlformats.org/drawingml/2006/main" xmlns:r="http://schemas.openxmlformats.org/officeDocument/2006/relationships" xmlns:p="http://schemas.openxmlformats.org/presentationml/2006/main">
-  <p:cSld>
-    <p:spTree>
-      <p:nvGrpSpPr>
-        <p:cNvPr id="1" name=""/>
-        <p:cNvGrpSpPr/>
-        <p:nvPr/>
-      </p:nvGrpSpPr>
-      <p:grpSpPr>
-        <a:xfrm>
-          <a:off x="0" y="0"/>
-          <a:ext cx="0" cy="0"/>
-          <a:chOff x="0" y="0"/>
-          <a:chExt cx="0" cy="0"/>
-        </a:xfrm>
-      </p:grpSpPr>
-      <p:sp>
-        <p:nvSpPr>
-          <p:cNvPr id="2" name="標題 1">
-            <a:extLst>
-              <a:ext uri="{FF2B5EF4-FFF2-40B4-BE49-F238E27FC236}">
-                <a16:creationId xmlns:a16="http://schemas.microsoft.com/office/drawing/2014/main" id="{4DC4C84C-C35E-4C48-89E7-1C534A88ABA2}"/>
-              </a:ext>
-            </a:extLst>
-          </p:cNvPr>
-          <p:cNvSpPr>
-            <a:spLocks noGrp="1"/>
-          </p:cNvSpPr>
-          <p:nvPr>
-            <p:ph type="title"/>
-          </p:nvPr>
-        </p:nvSpPr>
-        <p:spPr/>
-        <p:txBody>
-          <a:bodyPr>
-            <a:normAutofit/>
-          </a:bodyPr>
-          <a:lstStyle/>
-          <a:p>
-            <a:r>
-              <a:rPr lang="zh-TW" altLang="en-US" sz="6000"/>
-              <a:t>程式語言中的 </a:t>
-            </a:r>
-            <a:r>
-              <a:rPr lang="en-US" altLang="zh-TW" sz="6000"/>
-              <a:t>“=”</a:t>
-            </a:r>
-            <a:endParaRPr lang="zh-TW" altLang="en-US" sz="6000"/>
-          </a:p>
-        </p:txBody>
-      </p:sp>
-      <p:sp>
-        <p:nvSpPr>
-          <p:cNvPr id="3" name="文字版面配置區 2">
-            <a:extLst>
-              <a:ext uri="{FF2B5EF4-FFF2-40B4-BE49-F238E27FC236}">
-                <a16:creationId xmlns:a16="http://schemas.microsoft.com/office/drawing/2014/main" id="{6CCA000D-30CB-4FB4-A7D1-DAD45534B93B}"/>
-              </a:ext>
-            </a:extLst>
-          </p:cNvPr>
-          <p:cNvSpPr>
-            <a:spLocks noGrp="1"/>
-          </p:cNvSpPr>
-          <p:nvPr>
-            <p:ph type="body" idx="1"/>
-          </p:nvPr>
-        </p:nvSpPr>
-        <p:spPr/>
-        <p:txBody>
-          <a:bodyPr>
-            <a:normAutofit/>
-          </a:bodyPr>
-          <a:lstStyle/>
-          <a:p>
-            <a:endParaRPr lang="en-US" altLang="zh-TW" sz="2800"/>
-          </a:p>
-        </p:txBody>
-      </p:sp>
-    </p:spTree>
-    <p:extLst>
-      <p:ext uri="{BB962C8B-B14F-4D97-AF65-F5344CB8AC3E}">
-        <p14:creationId xmlns:p14="http://schemas.microsoft.com/office/powerpoint/2010/main" val="473882521"/>
-      </p:ext>
-    </p:extLst>
-  </p:cSld>
-  <p:clrMapOvr>
-    <a:masterClrMapping/>
-  </p:clrMapOvr>
-</p:sld>
-</file>
-
-<file path=ppt/slides/slide13.xml><?xml version="1.0" encoding="utf-8"?>
 <p:sld xmlns:a="http://schemas.openxmlformats.org/drawingml/2006/main" xmlns:r="http://schemas.openxmlformats.org/officeDocument/2006/relationships" xmlns:p="http://schemas.openxmlformats.org/presentationml/2006/main">
   <p:cSld>
     <p:spTree>
@@ -6136,7 +6048,7 @@
                     <a:p>
                       <a:pPr algn="ctr"/>
                       <a:r>
-                        <a:rPr lang="en-US" altLang="zh-TW" sz="2800" baseline="0" dirty="0">
+                        <a:rPr lang="en-US" altLang="zh-TW" sz="2800" baseline="0">
                           <a:solidFill>
                             <a:srgbClr val="C00000"/>
                           </a:solidFill>
@@ -6145,7 +6057,7 @@
                         </a:rPr>
                         <a:t>a</a:t>
                       </a:r>
-                      <a:endParaRPr lang="zh-TW" altLang="en-US" sz="2800" baseline="0" dirty="0">
+                      <a:endParaRPr lang="zh-TW" altLang="en-US" sz="2800" baseline="0">
                         <a:solidFill>
                           <a:srgbClr val="C00000"/>
                         </a:solidFill>
@@ -6208,7 +6120,7 @@
                     <a:lstStyle/>
                     <a:p>
                       <a:pPr algn="ctr"/>
-                      <a:endParaRPr lang="zh-TW" altLang="en-US" sz="2400" baseline="0" dirty="0">
+                      <a:endParaRPr lang="zh-TW" altLang="en-US" sz="2400" baseline="0">
                         <a:solidFill>
                           <a:schemeClr val="tx2">
                             <a:lumMod val="20000"/>
@@ -6305,13 +6217,13 @@
           <a:lstStyle/>
           <a:p>
             <a:r>
-              <a:rPr lang="en-US" altLang="zh-TW" sz="2800" dirty="0">
+              <a:rPr lang="en-US" altLang="zh-TW" sz="2800">
                 <a:latin typeface="Consolas" panose="020B0609020204030204" pitchFamily="49" charset="0"/>
                 <a:ea typeface="微軟正黑體" panose="020B0604030504040204" pitchFamily="34" charset="-120"/>
               </a:rPr>
               <a:t>b</a:t>
             </a:r>
-            <a:endParaRPr lang="zh-TW" altLang="en-US" dirty="0">
+            <a:endParaRPr lang="zh-TW" altLang="en-US">
               <a:latin typeface="Consolas" panose="020B0609020204030204" pitchFamily="49" charset="0"/>
             </a:endParaRPr>
           </a:p>
@@ -6374,7 +6286,7 @@
 </p:sld>
 </file>
 
-<file path=ppt/slides/slide14.xml><?xml version="1.0" encoding="utf-8"?>
+<file path=ppt/slides/slide13.xml><?xml version="1.0" encoding="utf-8"?>
 <p:sld xmlns:a="http://schemas.openxmlformats.org/drawingml/2006/main" xmlns:r="http://schemas.openxmlformats.org/officeDocument/2006/relationships" xmlns:p="http://schemas.openxmlformats.org/presentationml/2006/main">
   <p:cSld>
     <p:spTree>
@@ -6468,21 +6380,9 @@
               <a:rPr lang="zh-TW" altLang="en-US" sz="2800">
                 <a:latin typeface="+mn-ea"/>
               </a:rPr>
-              <a:t>字首</a:t>
-            </a:r>
-            <a:r>
-              <a:rPr lang="zh-TW" altLang="en-US" sz="2800" dirty="0">
-                <a:latin typeface="+mn-ea"/>
-              </a:rPr>
-              <a:t>不</a:t>
-            </a:r>
-            <a:r>
-              <a:rPr lang="zh-TW" altLang="en-US" sz="2800">
-                <a:latin typeface="+mn-ea"/>
-              </a:rPr>
-              <a:t>為數字</a:t>
-            </a:r>
-            <a:endParaRPr lang="en-US" altLang="zh-TW" sz="2800" dirty="0">
+              <a:t>字首不為數字</a:t>
+            </a:r>
+            <a:endParaRPr lang="en-US" altLang="zh-TW" sz="2800">
               <a:latin typeface="+mn-ea"/>
             </a:endParaRPr>
           </a:p>
@@ -6508,15 +6408,9 @@
               <a:rPr lang="zh-TW" altLang="en-US" sz="2800">
                 <a:latin typeface="+mn-ea"/>
               </a:rPr>
-              <a:t>不能</a:t>
-            </a:r>
-            <a:r>
-              <a:rPr lang="zh-TW" altLang="en-US" sz="2800" dirty="0">
-                <a:latin typeface="+mn-ea"/>
-              </a:rPr>
-              <a:t>使用保留字</a:t>
-            </a:r>
-            <a:endParaRPr lang="en-US" altLang="zh-TW" sz="2800" dirty="0">
+              <a:t>不能使用保留字</a:t>
+            </a:r>
+            <a:endParaRPr lang="en-US" altLang="zh-TW" sz="2800">
               <a:latin typeface="+mn-ea"/>
             </a:endParaRPr>
           </a:p>
@@ -6542,15 +6436,9 @@
               <a:rPr lang="zh-TW" altLang="en-US" sz="2800">
                 <a:latin typeface="+mn-ea"/>
               </a:rPr>
-              <a:t>不能</a:t>
-            </a:r>
-            <a:r>
-              <a:rPr lang="zh-TW" altLang="en-US" sz="2800" dirty="0">
-                <a:latin typeface="+mn-ea"/>
-              </a:rPr>
-              <a:t>含有運算符號</a:t>
-            </a:r>
-            <a:endParaRPr lang="en-US" altLang="zh-TW" sz="2800" dirty="0">
+              <a:t>不能含有運算符號</a:t>
+            </a:r>
+            <a:endParaRPr lang="en-US" altLang="zh-TW" sz="2800">
               <a:latin typeface="+mn-ea"/>
             </a:endParaRPr>
           </a:p>
@@ -6576,15 +6464,9 @@
               <a:rPr lang="zh-TW" altLang="en-US" sz="2800">
                 <a:latin typeface="+mn-ea"/>
               </a:rPr>
-              <a:t>大</a:t>
-            </a:r>
-            <a:r>
-              <a:rPr lang="zh-TW" altLang="en-US" sz="2800" dirty="0">
-                <a:latin typeface="+mn-ea"/>
-              </a:rPr>
-              <a:t>小寫相異</a:t>
-            </a:r>
-            <a:endParaRPr lang="en-US" altLang="zh-TW" sz="2800" dirty="0">
+              <a:t>大小寫相異</a:t>
+            </a:r>
+            <a:endParaRPr lang="en-US" altLang="zh-TW" sz="2800">
               <a:latin typeface="+mn-ea"/>
             </a:endParaRPr>
           </a:p>
@@ -6630,7 +6512,7 @@
               </a:buClr>
             </a:pPr>
             <a:r>
-              <a:rPr lang="en-US" altLang="zh-TW" sz="2800" dirty="0">
+              <a:rPr lang="en-US" altLang="zh-TW" sz="2800">
                 <a:solidFill>
                   <a:srgbClr val="C00000"/>
                 </a:solidFill>
@@ -6640,7 +6522,7 @@
               <a:t>1st</a:t>
             </a:r>
             <a:r>
-              <a:rPr lang="en-US" altLang="zh-TW" sz="2800" dirty="0">
+              <a:rPr lang="en-US" altLang="zh-TW" sz="2800">
                 <a:solidFill>
                   <a:srgbClr val="0070C0"/>
                 </a:solidFill>
@@ -6663,7 +6545,7 @@
               </a:buClr>
             </a:pPr>
             <a:r>
-              <a:rPr lang="en-US" altLang="zh-TW" sz="2800" dirty="0">
+              <a:rPr lang="en-US" altLang="zh-TW" sz="2800">
                 <a:solidFill>
                   <a:srgbClr val="C00000"/>
                 </a:solidFill>
@@ -6686,7 +6568,7 @@
               </a:buClr>
             </a:pPr>
             <a:r>
-              <a:rPr lang="en-US" altLang="zh-TW" sz="2800" dirty="0">
+              <a:rPr lang="en-US" altLang="zh-TW" sz="2800">
                 <a:solidFill>
                   <a:srgbClr val="C00000"/>
                 </a:solidFill>
@@ -6696,7 +6578,7 @@
               <a:t>x-str</a:t>
             </a:r>
             <a:r>
-              <a:rPr lang="en-US" altLang="zh-TW" sz="2800" dirty="0">
+              <a:rPr lang="en-US" altLang="zh-TW" sz="2800">
                 <a:solidFill>
                   <a:srgbClr val="0070C0"/>
                 </a:solidFill>
@@ -6706,7 +6588,7 @@
               <a:t> </a:t>
             </a:r>
             <a:r>
-              <a:rPr lang="en-US" altLang="zh-TW" sz="2800" dirty="0" err="1">
+              <a:rPr lang="en-US" altLang="zh-TW" sz="2800" err="1">
                 <a:solidFill>
                   <a:srgbClr val="0070C0"/>
                 </a:solidFill>
@@ -6715,7 +6597,7 @@
               </a:rPr>
               <a:t>x_str</a:t>
             </a:r>
-            <a:endParaRPr lang="en-US" altLang="zh-TW" sz="2800" dirty="0">
+            <a:endParaRPr lang="en-US" altLang="zh-TW" sz="2800">
               <a:solidFill>
                 <a:srgbClr val="0070C0"/>
               </a:solidFill>
@@ -6736,7 +6618,7 @@
               </a:buClr>
             </a:pPr>
             <a:r>
-              <a:rPr lang="en-US" altLang="zh-TW" sz="2800" dirty="0" err="1">
+              <a:rPr lang="en-US" altLang="zh-TW" sz="2800" err="1">
                 <a:solidFill>
                   <a:srgbClr val="0070C0"/>
                 </a:solidFill>
@@ -6746,7 +6628,7 @@
               <a:t>numBer</a:t>
             </a:r>
             <a:r>
-              <a:rPr lang="en-US" altLang="zh-TW" sz="2800" dirty="0">
+              <a:rPr lang="en-US" altLang="zh-TW" sz="2800">
                 <a:solidFill>
                   <a:srgbClr val="0070C0"/>
                 </a:solidFill>
@@ -6771,7 +6653,7 @@
 </p:sld>
 </file>
 
-<file path=ppt/slides/slide15.xml><?xml version="1.0" encoding="utf-8"?>
+<file path=ppt/slides/slide14.xml><?xml version="1.0" encoding="utf-8"?>
 <p:sld xmlns:a="http://schemas.openxmlformats.org/drawingml/2006/main" xmlns:r="http://schemas.openxmlformats.org/officeDocument/2006/relationships" xmlns:p="http://schemas.openxmlformats.org/presentationml/2006/main">
   <p:cSld>
     <p:spTree>
@@ -6858,7 +6740,7 @@
 </p:sld>
 </file>
 
-<file path=ppt/slides/slide16.xml><?xml version="1.0" encoding="utf-8"?>
+<file path=ppt/slides/slide15.xml><?xml version="1.0" encoding="utf-8"?>
 <p:sld xmlns:a="http://schemas.openxmlformats.org/drawingml/2006/main" xmlns:r="http://schemas.openxmlformats.org/officeDocument/2006/relationships" xmlns:p="http://schemas.openxmlformats.org/presentationml/2006/main">
   <p:cSld>
     <p:spTree>
@@ -6918,7 +6800,7 @@
           <p:nvPr>
             <p:extLst>
               <p:ext uri="{D42A27DB-BD31-4B8C-83A1-F6EECF244321}">
-                <p14:modId xmlns:p14="http://schemas.microsoft.com/office/powerpoint/2010/main" val="478713161"/>
+                <p14:modId xmlns:p14="http://schemas.microsoft.com/office/powerpoint/2010/main" val="2994491234"/>
               </p:ext>
             </p:extLst>
           </p:nvPr>
@@ -7244,7 +7126,7 @@
                       </a:pPr>
                       <a:r>
                         <a:rPr lang="en-US" altLang="zh-TW" sz="2400"/>
-                        <a:t>“abc”, ‘2022’, ‘apple’</a:t>
+                        <a:t>“abc”, ‘2022’, “True”</a:t>
                       </a:r>
                       <a:endParaRPr lang="zh-TW" altLang="en-US" sz="2400"/>
                     </a:p>
@@ -7332,7 +7214,7 @@
                         </a:lnSpc>
                       </a:pPr>
                       <a:r>
-                        <a:rPr lang="en-US" altLang="zh-TW" sz="2400"/>
+                        <a:rPr lang="en-US" altLang="zh-TW" sz="2400" err="1"/>
                         <a:t>dict</a:t>
                       </a:r>
                       <a:endParaRPr lang="zh-TW" altLang="en-US" sz="2400"/>
@@ -7400,7 +7282,7 @@
 </p:sld>
 </file>
 
-<file path=ppt/slides/slide17.xml><?xml version="1.0" encoding="utf-8"?>
+<file path=ppt/slides/slide16.xml><?xml version="1.0" encoding="utf-8"?>
 <p:sld xmlns:a="http://schemas.openxmlformats.org/drawingml/2006/main" xmlns:r="http://schemas.openxmlformats.org/officeDocument/2006/relationships" xmlns:p="http://schemas.openxmlformats.org/presentationml/2006/main">
   <p:cSld>
     <p:spTree>
@@ -7865,7 +7747,7 @@
 </p:sld>
 </file>
 
-<file path=ppt/slides/slide18.xml><?xml version="1.0" encoding="utf-8"?>
+<file path=ppt/slides/slide17.xml><?xml version="1.0" encoding="utf-8"?>
 <p:sld xmlns:a="http://schemas.openxmlformats.org/drawingml/2006/main" xmlns:r="http://schemas.openxmlformats.org/officeDocument/2006/relationships" xmlns:p="http://schemas.openxmlformats.org/presentationml/2006/main">
   <p:cSld>
     <p:spTree>
@@ -8407,7 +8289,7 @@
 </p:sld>
 </file>
 
-<file path=ppt/slides/slide19.xml><?xml version="1.0" encoding="utf-8"?>
+<file path=ppt/slides/slide18.xml><?xml version="1.0" encoding="utf-8"?>
 <p:sld xmlns:a="http://schemas.openxmlformats.org/drawingml/2006/main" xmlns:r="http://schemas.openxmlformats.org/officeDocument/2006/relationships" xmlns:p="http://schemas.openxmlformats.org/presentationml/2006/main">
   <p:cSld>
     <p:spTree>
@@ -8505,6 +8387,226 @@
     <p:extLst>
       <p:ext uri="{BB962C8B-B14F-4D97-AF65-F5344CB8AC3E}">
         <p14:creationId xmlns:p14="http://schemas.microsoft.com/office/powerpoint/2010/main" val="1230999811"/>
+      </p:ext>
+    </p:extLst>
+  </p:cSld>
+  <p:clrMapOvr>
+    <a:masterClrMapping/>
+  </p:clrMapOvr>
+</p:sld>
+</file>
+
+<file path=ppt/slides/slide19.xml><?xml version="1.0" encoding="utf-8"?>
+<p:sld xmlns:a="http://schemas.openxmlformats.org/drawingml/2006/main" xmlns:r="http://schemas.openxmlformats.org/officeDocument/2006/relationships" xmlns:p="http://schemas.openxmlformats.org/presentationml/2006/main">
+  <p:cSld>
+    <p:spTree>
+      <p:nvGrpSpPr>
+        <p:cNvPr id="1" name=""/>
+        <p:cNvGrpSpPr/>
+        <p:nvPr/>
+      </p:nvGrpSpPr>
+      <p:grpSpPr>
+        <a:xfrm>
+          <a:off x="0" y="0"/>
+          <a:ext cx="0" cy="0"/>
+          <a:chOff x="0" y="0"/>
+          <a:chExt cx="0" cy="0"/>
+        </a:xfrm>
+      </p:grpSpPr>
+      <p:sp>
+        <p:nvSpPr>
+          <p:cNvPr id="2" name="標題 1">
+            <a:extLst>
+              <a:ext uri="{FF2B5EF4-FFF2-40B4-BE49-F238E27FC236}">
+                <a16:creationId xmlns:a16="http://schemas.microsoft.com/office/drawing/2014/main" id="{61E11324-6597-4ACF-8D7D-667E16A81DA3}"/>
+              </a:ext>
+            </a:extLst>
+          </p:cNvPr>
+          <p:cNvSpPr>
+            <a:spLocks noGrp="1"/>
+          </p:cNvSpPr>
+          <p:nvPr>
+            <p:ph type="title"/>
+          </p:nvPr>
+        </p:nvSpPr>
+        <p:spPr/>
+        <p:txBody>
+          <a:bodyPr/>
+          <a:lstStyle/>
+          <a:p>
+            <a:r>
+              <a:rPr lang="zh-TW" altLang="en-US"/>
+              <a:t>輸出函數 </a:t>
+            </a:r>
+            <a:r>
+              <a:rPr lang="en-US" altLang="zh-TW"/>
+              <a:t>print()</a:t>
+            </a:r>
+            <a:endParaRPr lang="zh-TW" altLang="en-US"/>
+          </a:p>
+        </p:txBody>
+      </p:sp>
+      <p:sp>
+        <p:nvSpPr>
+          <p:cNvPr id="3" name="內容版面配置區 2">
+            <a:extLst>
+              <a:ext uri="{FF2B5EF4-FFF2-40B4-BE49-F238E27FC236}">
+                <a16:creationId xmlns:a16="http://schemas.microsoft.com/office/drawing/2014/main" id="{873C5CE7-E607-4ACC-B4B2-CB47904BA3BD}"/>
+              </a:ext>
+            </a:extLst>
+          </p:cNvPr>
+          <p:cNvSpPr>
+            <a:spLocks noGrp="1"/>
+          </p:cNvSpPr>
+          <p:nvPr>
+            <p:ph idx="1"/>
+          </p:nvPr>
+        </p:nvSpPr>
+        <p:spPr>
+          <a:xfrm>
+            <a:off x="1261872" y="2523506"/>
+            <a:ext cx="8595360" cy="3656631"/>
+          </a:xfrm>
+        </p:spPr>
+        <p:txBody>
+          <a:bodyPr>
+            <a:normAutofit/>
+          </a:bodyPr>
+          <a:lstStyle/>
+          <a:p>
+            <a:pPr marL="0" indent="0">
+              <a:buNone/>
+            </a:pPr>
+            <a:r>
+              <a:rPr lang="en-US" altLang="zh-TW" sz="2400">
+                <a:latin typeface="Consolas" panose="020B0609020204030204" pitchFamily="49" charset="0"/>
+                <a:ea typeface="Hack NF" panose="020B0609030202020204" pitchFamily="49" charset="0"/>
+                <a:cs typeface="Hack NF" panose="020B0609030202020204" pitchFamily="49" charset="0"/>
+              </a:rPr>
+              <a:t>print(</a:t>
+            </a:r>
+            <a:r>
+              <a:rPr lang="en-US" altLang="zh-TW" sz="2400">
+                <a:solidFill>
+                  <a:srgbClr val="C00000"/>
+                </a:solidFill>
+                <a:latin typeface="Consolas" panose="020B0609020204030204" pitchFamily="49" charset="0"/>
+                <a:ea typeface="Hack NF" panose="020B0609030202020204" pitchFamily="49" charset="0"/>
+                <a:cs typeface="Hack NF" panose="020B0609030202020204" pitchFamily="49" charset="0"/>
+              </a:rPr>
+              <a:t>5</a:t>
+            </a:r>
+            <a:r>
+              <a:rPr lang="en-US" altLang="zh-TW" sz="2400">
+                <a:latin typeface="Consolas" panose="020B0609020204030204" pitchFamily="49" charset="0"/>
+                <a:ea typeface="Hack NF" panose="020B0609030202020204" pitchFamily="49" charset="0"/>
+                <a:cs typeface="Hack NF" panose="020B0609030202020204" pitchFamily="49" charset="0"/>
+              </a:rPr>
+              <a:t>)</a:t>
+            </a:r>
+          </a:p>
+          <a:p>
+            <a:pPr marL="0" indent="0">
+              <a:buNone/>
+            </a:pPr>
+            <a:r>
+              <a:rPr lang="en-US" altLang="zh-TW" sz="2400">
+                <a:latin typeface="Consolas" panose="020B0609020204030204" pitchFamily="49" charset="0"/>
+                <a:ea typeface="Hack NF" panose="020B0609030202020204" pitchFamily="49" charset="0"/>
+                <a:cs typeface="Hack NF" panose="020B0609030202020204" pitchFamily="49" charset="0"/>
+              </a:rPr>
+              <a:t>print(</a:t>
+            </a:r>
+            <a:r>
+              <a:rPr lang="en-US" altLang="zh-TW" sz="2400">
+                <a:solidFill>
+                  <a:srgbClr val="C00000"/>
+                </a:solidFill>
+                <a:latin typeface="Consolas" panose="020B0609020204030204" pitchFamily="49" charset="0"/>
+                <a:ea typeface="Hack NF" panose="020B0609030202020204" pitchFamily="49" charset="0"/>
+                <a:cs typeface="Hack NF" panose="020B0609030202020204" pitchFamily="49" charset="0"/>
+              </a:rPr>
+              <a:t>3.14</a:t>
+            </a:r>
+            <a:r>
+              <a:rPr lang="en-US" altLang="zh-TW" sz="2400">
+                <a:latin typeface="Consolas" panose="020B0609020204030204" pitchFamily="49" charset="0"/>
+                <a:ea typeface="Hack NF" panose="020B0609030202020204" pitchFamily="49" charset="0"/>
+                <a:cs typeface="Hack NF" panose="020B0609030202020204" pitchFamily="49" charset="0"/>
+              </a:rPr>
+              <a:t>)</a:t>
+            </a:r>
+          </a:p>
+          <a:p>
+            <a:pPr marL="0" indent="0">
+              <a:buNone/>
+            </a:pPr>
+            <a:r>
+              <a:rPr lang="en-US" altLang="zh-TW" sz="2400">
+                <a:latin typeface="Consolas" panose="020B0609020204030204" pitchFamily="49" charset="0"/>
+                <a:ea typeface="Hack NF" panose="020B0609030202020204" pitchFamily="49" charset="0"/>
+                <a:cs typeface="Hack NF" panose="020B0609030202020204" pitchFamily="49" charset="0"/>
+              </a:rPr>
+              <a:t>print(</a:t>
+            </a:r>
+            <a:r>
+              <a:rPr lang="en-US" altLang="zh-TW" sz="2400">
+                <a:solidFill>
+                  <a:srgbClr val="C00000"/>
+                </a:solidFill>
+                <a:latin typeface="Consolas" panose="020B0609020204030204" pitchFamily="49" charset="0"/>
+                <a:ea typeface="Hack NF" panose="020B0609030202020204" pitchFamily="49" charset="0"/>
+                <a:cs typeface="Hack NF" panose="020B0609030202020204" pitchFamily="49" charset="0"/>
+              </a:rPr>
+              <a:t>‘abc’</a:t>
+            </a:r>
+            <a:r>
+              <a:rPr lang="en-US" altLang="zh-TW" sz="2400">
+                <a:latin typeface="Consolas" panose="020B0609020204030204" pitchFamily="49" charset="0"/>
+                <a:ea typeface="Hack NF" panose="020B0609030202020204" pitchFamily="49" charset="0"/>
+                <a:cs typeface="Hack NF" panose="020B0609030202020204" pitchFamily="49" charset="0"/>
+              </a:rPr>
+              <a:t>)</a:t>
+            </a:r>
+          </a:p>
+          <a:p>
+            <a:pPr marL="0" indent="0">
+              <a:buNone/>
+            </a:pPr>
+            <a:r>
+              <a:rPr lang="en-US" altLang="zh-TW" sz="2400">
+                <a:latin typeface="Consolas" panose="020B0609020204030204" pitchFamily="49" charset="0"/>
+                <a:ea typeface="Hack NF" panose="020B0609030202020204" pitchFamily="49" charset="0"/>
+                <a:cs typeface="Hack NF" panose="020B0609030202020204" pitchFamily="49" charset="0"/>
+              </a:rPr>
+              <a:t>print(</a:t>
+            </a:r>
+            <a:r>
+              <a:rPr lang="en-US" altLang="zh-TW" sz="2400">
+                <a:solidFill>
+                  <a:srgbClr val="C00000"/>
+                </a:solidFill>
+                <a:latin typeface="Consolas" panose="020B0609020204030204" pitchFamily="49" charset="0"/>
+                <a:ea typeface="Hack NF" panose="020B0609030202020204" pitchFamily="49" charset="0"/>
+                <a:cs typeface="Hack NF" panose="020B0609030202020204" pitchFamily="49" charset="0"/>
+              </a:rPr>
+              <a:t>[1, 1, 2, 3, 5, 8]</a:t>
+            </a:r>
+            <a:r>
+              <a:rPr lang="en-US" altLang="zh-TW" sz="2400">
+                <a:latin typeface="Consolas" panose="020B0609020204030204" pitchFamily="49" charset="0"/>
+                <a:ea typeface="Hack NF" panose="020B0609030202020204" pitchFamily="49" charset="0"/>
+                <a:cs typeface="Hack NF" panose="020B0609030202020204" pitchFamily="49" charset="0"/>
+              </a:rPr>
+              <a:t>)</a:t>
+            </a:r>
+          </a:p>
+        </p:txBody>
+      </p:sp>
+    </p:spTree>
+    <p:extLst>
+      <p:ext uri="{BB962C8B-B14F-4D97-AF65-F5344CB8AC3E}">
+        <p14:creationId xmlns:p14="http://schemas.microsoft.com/office/powerpoint/2010/main" val="157969398"/>
       </p:ext>
     </p:extLst>
   </p:cSld>
@@ -8688,7 +8790,20 @@
                 <a:ea typeface="Hack NF" panose="020B0609030202020204" pitchFamily="49" charset="0"/>
                 <a:cs typeface="Hack NF" panose="020B0609030202020204" pitchFamily="49" charset="0"/>
               </a:rPr>
-              <a:t>print(</a:t>
+              <a:t>print(1, 2, 3)</a:t>
+            </a:r>
+          </a:p>
+          <a:p>
+            <a:pPr marL="0" indent="0">
+              <a:buNone/>
+            </a:pPr>
+            <a:r>
+              <a:rPr lang="en-US" altLang="zh-TW" sz="2400">
+                <a:latin typeface="Consolas" panose="020B0609020204030204" pitchFamily="49" charset="0"/>
+                <a:ea typeface="Hack NF" panose="020B0609030202020204" pitchFamily="49" charset="0"/>
+                <a:cs typeface="Hack NF" panose="020B0609030202020204" pitchFamily="49" charset="0"/>
+              </a:rPr>
+              <a:t>print(1, 2, 3, </a:t>
             </a:r>
             <a:r>
               <a:rPr lang="en-US" altLang="zh-TW" sz="2400">
@@ -8699,7 +8814,7 @@
                 <a:ea typeface="Hack NF" panose="020B0609030202020204" pitchFamily="49" charset="0"/>
                 <a:cs typeface="Hack NF" panose="020B0609030202020204" pitchFamily="49" charset="0"/>
               </a:rPr>
-              <a:t>5</a:t>
+              <a:t>end=“//”</a:t>
             </a:r>
             <a:r>
               <a:rPr lang="en-US" altLang="zh-TW" sz="2400">
@@ -8720,7 +8835,7 @@
                 <a:ea typeface="Hack NF" panose="020B0609030202020204" pitchFamily="49" charset="0"/>
                 <a:cs typeface="Hack NF" panose="020B0609030202020204" pitchFamily="49" charset="0"/>
               </a:rPr>
-              <a:t>print(</a:t>
+              <a:t>print(1, 2, 3, </a:t>
             </a:r>
             <a:r>
               <a:rPr lang="en-US" altLang="zh-TW" sz="2400">
@@ -8731,71 +8846,7 @@
                 <a:ea typeface="Hack NF" panose="020B0609030202020204" pitchFamily="49" charset="0"/>
                 <a:cs typeface="Hack NF" panose="020B0609030202020204" pitchFamily="49" charset="0"/>
               </a:rPr>
-              <a:t>3.14</a:t>
-            </a:r>
-            <a:r>
-              <a:rPr lang="en-US" altLang="zh-TW" sz="2400">
-                <a:latin typeface="Consolas" panose="020B0609020204030204" pitchFamily="49" charset="0"/>
-                <a:ea typeface="Hack NF" panose="020B0609030202020204" pitchFamily="49" charset="0"/>
-                <a:cs typeface="Hack NF" panose="020B0609030202020204" pitchFamily="49" charset="0"/>
-              </a:rPr>
-              <a:t>)</a:t>
-            </a:r>
-          </a:p>
-          <a:p>
-            <a:pPr marL="0" indent="0">
-              <a:buNone/>
-            </a:pPr>
-            <a:r>
-              <a:rPr lang="en-US" altLang="zh-TW" sz="2400">
-                <a:latin typeface="Consolas" panose="020B0609020204030204" pitchFamily="49" charset="0"/>
-                <a:ea typeface="Hack NF" panose="020B0609030202020204" pitchFamily="49" charset="0"/>
-                <a:cs typeface="Hack NF" panose="020B0609030202020204" pitchFamily="49" charset="0"/>
-              </a:rPr>
-              <a:t>print(</a:t>
-            </a:r>
-            <a:r>
-              <a:rPr lang="en-US" altLang="zh-TW" sz="2400">
-                <a:solidFill>
-                  <a:srgbClr val="C00000"/>
-                </a:solidFill>
-                <a:latin typeface="Consolas" panose="020B0609020204030204" pitchFamily="49" charset="0"/>
-                <a:ea typeface="Hack NF" panose="020B0609030202020204" pitchFamily="49" charset="0"/>
-                <a:cs typeface="Hack NF" panose="020B0609030202020204" pitchFamily="49" charset="0"/>
-              </a:rPr>
-              <a:t>‘abc’</a:t>
-            </a:r>
-            <a:r>
-              <a:rPr lang="en-US" altLang="zh-TW" sz="2400">
-                <a:latin typeface="Consolas" panose="020B0609020204030204" pitchFamily="49" charset="0"/>
-                <a:ea typeface="Hack NF" panose="020B0609030202020204" pitchFamily="49" charset="0"/>
-                <a:cs typeface="Hack NF" panose="020B0609030202020204" pitchFamily="49" charset="0"/>
-              </a:rPr>
-              <a:t>)</a:t>
-            </a:r>
-          </a:p>
-          <a:p>
-            <a:pPr marL="0" indent="0">
-              <a:buNone/>
-            </a:pPr>
-            <a:r>
-              <a:rPr lang="en-US" altLang="zh-TW" sz="2400">
-                <a:latin typeface="Consolas" panose="020B0609020204030204" pitchFamily="49" charset="0"/>
-                <a:ea typeface="Hack NF" panose="020B0609030202020204" pitchFamily="49" charset="0"/>
-                <a:cs typeface="Hack NF" panose="020B0609030202020204" pitchFamily="49" charset="0"/>
-              </a:rPr>
-              <a:t>print(</a:t>
-            </a:r>
-            <a:r>
-              <a:rPr lang="en-US" altLang="zh-TW" sz="2400">
-                <a:solidFill>
-                  <a:srgbClr val="C00000"/>
-                </a:solidFill>
-                <a:latin typeface="Consolas" panose="020B0609020204030204" pitchFamily="49" charset="0"/>
-                <a:ea typeface="Hack NF" panose="020B0609030202020204" pitchFamily="49" charset="0"/>
-                <a:cs typeface="Hack NF" panose="020B0609030202020204" pitchFamily="49" charset="0"/>
-              </a:rPr>
-              <a:t>[1, 1, 2, 3, 5, 8]</a:t>
+              <a:t>sep=“,”</a:t>
             </a:r>
             <a:r>
               <a:rPr lang="en-US" altLang="zh-TW" sz="2400">
@@ -8811,7 +8862,7 @@
     </p:spTree>
     <p:extLst>
       <p:ext uri="{BB962C8B-B14F-4D97-AF65-F5344CB8AC3E}">
-        <p14:creationId xmlns:p14="http://schemas.microsoft.com/office/powerpoint/2010/main" val="157969398"/>
+        <p14:creationId xmlns:p14="http://schemas.microsoft.com/office/powerpoint/2010/main" val="3518168543"/>
       </p:ext>
     </p:extLst>
   </p:cSld>
@@ -8861,11 +8912,19 @@
           <a:p>
             <a:r>
               <a:rPr lang="zh-TW" altLang="en-US"/>
-              <a:t>輸出函數 </a:t>
+              <a:t>輸入函數 </a:t>
             </a:r>
             <a:r>
               <a:rPr lang="en-US" altLang="zh-TW"/>
-              <a:t>print()</a:t>
+              <a:t>input() </a:t>
+            </a:r>
+            <a:r>
+              <a:rPr lang="zh-TW" altLang="en-US"/>
+              <a:t>→</a:t>
+            </a:r>
+            <a:r>
+              <a:rPr lang="en-US" altLang="zh-TW"/>
+              <a:t> str</a:t>
             </a:r>
             <a:endParaRPr lang="zh-TW" altLang="en-US"/>
           </a:p>
@@ -8904,24 +8963,30 @@
             </a:pPr>
             <a:r>
               <a:rPr lang="en-US" altLang="zh-TW" sz="2400">
+                <a:solidFill>
+                  <a:srgbClr val="0070C0"/>
+                </a:solidFill>
                 <a:latin typeface="Consolas" panose="020B0609020204030204" pitchFamily="49" charset="0"/>
                 <a:ea typeface="Hack NF" panose="020B0609030202020204" pitchFamily="49" charset="0"/>
                 <a:cs typeface="Hack NF" panose="020B0609030202020204" pitchFamily="49" charset="0"/>
               </a:rPr>
-              <a:t>print(1, 2, 3)</a:t>
-            </a:r>
-          </a:p>
-          <a:p>
-            <a:pPr marL="0" indent="0">
-              <a:buNone/>
-            </a:pPr>
+              <a:t>line</a:t>
+            </a:r>
             <a:r>
               <a:rPr lang="en-US" altLang="zh-TW" sz="2400">
                 <a:latin typeface="Consolas" panose="020B0609020204030204" pitchFamily="49" charset="0"/>
                 <a:ea typeface="Hack NF" panose="020B0609030202020204" pitchFamily="49" charset="0"/>
                 <a:cs typeface="Hack NF" panose="020B0609030202020204" pitchFamily="49" charset="0"/>
               </a:rPr>
-              <a:t>print(1, 2, 3, </a:t>
+              <a:t> =</a:t>
+            </a:r>
+            <a:r>
+              <a:rPr lang="zh-TW" altLang="en-US" sz="2400">
+                <a:latin typeface="Consolas" panose="020B0609020204030204" pitchFamily="49" charset="0"/>
+                <a:ea typeface="Hack NF" panose="020B0609030202020204" pitchFamily="49" charset="0"/>
+                <a:cs typeface="Hack NF" panose="020B0609030202020204" pitchFamily="49" charset="0"/>
+              </a:rPr>
+              <a:t> </a:t>
             </a:r>
             <a:r>
               <a:rPr lang="en-US" altLang="zh-TW" sz="2400">
@@ -8932,28 +8997,94 @@
                 <a:ea typeface="Hack NF" panose="020B0609030202020204" pitchFamily="49" charset="0"/>
                 <a:cs typeface="Hack NF" panose="020B0609030202020204" pitchFamily="49" charset="0"/>
               </a:rPr>
-              <a:t>end=“//”</a:t>
-            </a:r>
+              <a:t>input()</a:t>
+            </a:r>
+          </a:p>
+          <a:p>
+            <a:pPr marL="0" indent="0">
+              <a:buNone/>
+            </a:pPr>
             <a:r>
               <a:rPr lang="en-US" altLang="zh-TW" sz="2400">
                 <a:latin typeface="Consolas" panose="020B0609020204030204" pitchFamily="49" charset="0"/>
                 <a:ea typeface="Hack NF" panose="020B0609030202020204" pitchFamily="49" charset="0"/>
                 <a:cs typeface="Hack NF" panose="020B0609030202020204" pitchFamily="49" charset="0"/>
               </a:rPr>
-              <a:t>)</a:t>
-            </a:r>
-          </a:p>
-          <a:p>
-            <a:pPr marL="0" indent="0">
-              <a:buNone/>
-            </a:pPr>
+              <a:t>print(</a:t>
+            </a:r>
+            <a:r>
+              <a:rPr lang="en-US" altLang="zh-TW" sz="2400">
+                <a:solidFill>
+                  <a:srgbClr val="0070C0"/>
+                </a:solidFill>
+                <a:latin typeface="Consolas" panose="020B0609020204030204" pitchFamily="49" charset="0"/>
+                <a:ea typeface="Hack NF" panose="020B0609030202020204" pitchFamily="49" charset="0"/>
+                <a:cs typeface="Hack NF" panose="020B0609030202020204" pitchFamily="49" charset="0"/>
+              </a:rPr>
+              <a:t>line</a:t>
+            </a:r>
             <a:r>
               <a:rPr lang="en-US" altLang="zh-TW" sz="2400">
                 <a:latin typeface="Consolas" panose="020B0609020204030204" pitchFamily="49" charset="0"/>
                 <a:ea typeface="Hack NF" panose="020B0609030202020204" pitchFamily="49" charset="0"/>
                 <a:cs typeface="Hack NF" panose="020B0609030202020204" pitchFamily="49" charset="0"/>
               </a:rPr>
-              <a:t>print(1, 2, 3, </a:t>
+              <a:t>)</a:t>
+            </a:r>
+          </a:p>
+          <a:p>
+            <a:pPr marL="0" indent="0">
+              <a:buNone/>
+            </a:pPr>
+            <a:r>
+              <a:rPr lang="en-US" altLang="zh-TW" sz="2400">
+                <a:latin typeface="Consolas" panose="020B0609020204030204" pitchFamily="49" charset="0"/>
+                <a:ea typeface="Hack NF" panose="020B0609030202020204" pitchFamily="49" charset="0"/>
+                <a:cs typeface="Hack NF" panose="020B0609030202020204" pitchFamily="49" charset="0"/>
+              </a:rPr>
+              <a:t>print(type(</a:t>
+            </a:r>
+            <a:r>
+              <a:rPr lang="en-US" altLang="zh-TW" sz="2400">
+                <a:solidFill>
+                  <a:srgbClr val="0070C0"/>
+                </a:solidFill>
+                <a:latin typeface="Consolas" panose="020B0609020204030204" pitchFamily="49" charset="0"/>
+                <a:ea typeface="Hack NF" panose="020B0609030202020204" pitchFamily="49" charset="0"/>
+                <a:cs typeface="Hack NF" panose="020B0609030202020204" pitchFamily="49" charset="0"/>
+              </a:rPr>
+              <a:t>line</a:t>
+            </a:r>
+            <a:r>
+              <a:rPr lang="en-US" altLang="zh-TW" sz="2400">
+                <a:latin typeface="Consolas" panose="020B0609020204030204" pitchFamily="49" charset="0"/>
+                <a:ea typeface="Hack NF" panose="020B0609030202020204" pitchFamily="49" charset="0"/>
+                <a:cs typeface="Hack NF" panose="020B0609030202020204" pitchFamily="49" charset="0"/>
+              </a:rPr>
+              <a:t>))</a:t>
+            </a:r>
+          </a:p>
+          <a:p>
+            <a:pPr marL="0" indent="0">
+              <a:buNone/>
+            </a:pPr>
+            <a:endParaRPr lang="en-US" altLang="zh-TW" sz="2400">
+              <a:latin typeface="Consolas" panose="020B0609020204030204" pitchFamily="49" charset="0"/>
+              <a:ea typeface="Hack NF" panose="020B0609030202020204" pitchFamily="49" charset="0"/>
+              <a:cs typeface="Hack NF" panose="020B0609030202020204" pitchFamily="49" charset="0"/>
+            </a:endParaRPr>
+          </a:p>
+          <a:p>
+            <a:pPr marL="0" indent="0">
+              <a:buNone/>
+            </a:pPr>
+            <a:r>
+              <a:rPr lang="en-US" altLang="zh-TW" sz="2400">
+                <a:latin typeface="Consolas" panose="020B0609020204030204" pitchFamily="49" charset="0"/>
+                <a:ea typeface="Hack NF" panose="020B0609030202020204" pitchFamily="49" charset="0"/>
+                <a:cs typeface="Hack NF" panose="020B0609030202020204" pitchFamily="49" charset="0"/>
+              </a:rPr>
+              <a:t>print(</a:t>
             </a:r>
             <a:r>
               <a:rPr lang="en-US" altLang="zh-TW" sz="2400">
@@ -8964,7 +9095,7 @@
                 <a:ea typeface="Hack NF" panose="020B0609030202020204" pitchFamily="49" charset="0"/>
                 <a:cs typeface="Hack NF" panose="020B0609030202020204" pitchFamily="49" charset="0"/>
               </a:rPr>
-              <a:t>sep=“,”</a:t>
+              <a:t>input()</a:t>
             </a:r>
             <a:r>
               <a:rPr lang="en-US" altLang="zh-TW" sz="2400">
@@ -8980,7 +9111,7 @@
     </p:spTree>
     <p:extLst>
       <p:ext uri="{BB962C8B-B14F-4D97-AF65-F5344CB8AC3E}">
-        <p14:creationId xmlns:p14="http://schemas.microsoft.com/office/powerpoint/2010/main" val="3518168543"/>
+        <p14:creationId xmlns:p14="http://schemas.microsoft.com/office/powerpoint/2010/main" val="94241483"/>
       </p:ext>
     </p:extLst>
   </p:cSld>
@@ -9034,7 +9165,7 @@
             </a:r>
             <a:r>
               <a:rPr lang="en-US" altLang="zh-TW"/>
-              <a:t>input() </a:t>
+              <a:t>input(str) </a:t>
             </a:r>
             <a:r>
               <a:rPr lang="zh-TW" altLang="en-US"/>
@@ -9115,7 +9246,7 @@
                 <a:ea typeface="Hack NF" panose="020B0609030202020204" pitchFamily="49" charset="0"/>
                 <a:cs typeface="Hack NF" panose="020B0609030202020204" pitchFamily="49" charset="0"/>
               </a:rPr>
-              <a:t>input()</a:t>
+              <a:t>input(“Enter a number: ”)</a:t>
             </a:r>
           </a:p>
           <a:p>
@@ -9213,7 +9344,7 @@
                 <a:ea typeface="Hack NF" panose="020B0609030202020204" pitchFamily="49" charset="0"/>
                 <a:cs typeface="Hack NF" panose="020B0609030202020204" pitchFamily="49" charset="0"/>
               </a:rPr>
-              <a:t>input()</a:t>
+              <a:t>input(“Enter a number: ”)</a:t>
             </a:r>
             <a:r>
               <a:rPr lang="en-US" altLang="zh-TW" sz="2400">
@@ -9229,7 +9360,7 @@
     </p:spTree>
     <p:extLst>
       <p:ext uri="{BB962C8B-B14F-4D97-AF65-F5344CB8AC3E}">
-        <p14:creationId xmlns:p14="http://schemas.microsoft.com/office/powerpoint/2010/main" val="94241483"/>
+        <p14:creationId xmlns:p14="http://schemas.microsoft.com/office/powerpoint/2010/main" val="4170397009"/>
       </p:ext>
     </p:extLst>
   </p:cSld>
@@ -9279,21 +9410,8 @@
           <a:p>
             <a:r>
               <a:rPr lang="zh-TW" altLang="en-US"/>
-              <a:t>輸入函數 </a:t>
-            </a:r>
-            <a:r>
-              <a:rPr lang="en-US" altLang="zh-TW"/>
-              <a:t>input(str) </a:t>
-            </a:r>
-            <a:r>
-              <a:rPr lang="zh-TW" altLang="en-US"/>
-              <a:t>→</a:t>
-            </a:r>
-            <a:r>
-              <a:rPr lang="en-US" altLang="zh-TW"/>
-              <a:t> str</a:t>
-            </a:r>
-            <a:endParaRPr lang="zh-TW" altLang="en-US"/>
+              <a:t>字串相加</a:t>
+            </a:r>
           </a:p>
         </p:txBody>
       </p:sp>
@@ -9330,30 +9448,37 @@
             </a:pPr>
             <a:r>
               <a:rPr lang="en-US" altLang="zh-TW" sz="2400">
-                <a:solidFill>
-                  <a:srgbClr val="0070C0"/>
-                </a:solidFill>
                 <a:latin typeface="Consolas" panose="020B0609020204030204" pitchFamily="49" charset="0"/>
                 <a:ea typeface="Hack NF" panose="020B0609030202020204" pitchFamily="49" charset="0"/>
                 <a:cs typeface="Hack NF" panose="020B0609030202020204" pitchFamily="49" charset="0"/>
               </a:rPr>
-              <a:t>line</a:t>
-            </a:r>
+              <a:t>strA = “I am”</a:t>
+            </a:r>
+          </a:p>
+          <a:p>
+            <a:pPr marL="0" indent="0">
+              <a:buNone/>
+            </a:pPr>
             <a:r>
               <a:rPr lang="en-US" altLang="zh-TW" sz="2400">
                 <a:latin typeface="Consolas" panose="020B0609020204030204" pitchFamily="49" charset="0"/>
                 <a:ea typeface="Hack NF" panose="020B0609030202020204" pitchFamily="49" charset="0"/>
                 <a:cs typeface="Hack NF" panose="020B0609030202020204" pitchFamily="49" charset="0"/>
               </a:rPr>
-              <a:t> =</a:t>
-            </a:r>
-            <a:r>
-              <a:rPr lang="zh-TW" altLang="en-US" sz="2400">
+              <a:t>strB = “ happy!”</a:t>
+            </a:r>
+          </a:p>
+          <a:p>
+            <a:pPr marL="0" indent="0">
+              <a:buNone/>
+            </a:pPr>
+            <a:r>
+              <a:rPr lang="en-US" altLang="zh-TW" sz="2400">
                 <a:latin typeface="Consolas" panose="020B0609020204030204" pitchFamily="49" charset="0"/>
                 <a:ea typeface="Hack NF" panose="020B0609030202020204" pitchFamily="49" charset="0"/>
                 <a:cs typeface="Hack NF" panose="020B0609030202020204" pitchFamily="49" charset="0"/>
               </a:rPr>
-              <a:t> </a:t>
+              <a:t>print(</a:t>
             </a:r>
             <a:r>
               <a:rPr lang="en-US" altLang="zh-TW" sz="2400">
@@ -9364,31 +9489,26 @@
                 <a:ea typeface="Hack NF" panose="020B0609030202020204" pitchFamily="49" charset="0"/>
                 <a:cs typeface="Hack NF" panose="020B0609030202020204" pitchFamily="49" charset="0"/>
               </a:rPr>
-              <a:t>input(“Enter a number: ”)</a:t>
-            </a:r>
-          </a:p>
-          <a:p>
-            <a:pPr marL="0" indent="0">
-              <a:buNone/>
-            </a:pPr>
+              <a:t>strA </a:t>
+            </a:r>
             <a:r>
               <a:rPr lang="en-US" altLang="zh-TW" sz="2400">
                 <a:latin typeface="Consolas" panose="020B0609020204030204" pitchFamily="49" charset="0"/>
                 <a:ea typeface="Hack NF" panose="020B0609030202020204" pitchFamily="49" charset="0"/>
                 <a:cs typeface="Hack NF" panose="020B0609030202020204" pitchFamily="49" charset="0"/>
               </a:rPr>
-              <a:t>print(</a:t>
+              <a:t>+</a:t>
             </a:r>
             <a:r>
               <a:rPr lang="en-US" altLang="zh-TW" sz="2400">
                 <a:solidFill>
-                  <a:srgbClr val="0070C0"/>
+                  <a:srgbClr val="C00000"/>
                 </a:solidFill>
                 <a:latin typeface="Consolas" panose="020B0609020204030204" pitchFamily="49" charset="0"/>
                 <a:ea typeface="Hack NF" panose="020B0609030202020204" pitchFamily="49" charset="0"/>
                 <a:cs typeface="Hack NF" panose="020B0609030202020204" pitchFamily="49" charset="0"/>
               </a:rPr>
-              <a:t>line</a:t>
+              <a:t> “ very” </a:t>
             </a:r>
             <a:r>
               <a:rPr lang="en-US" altLang="zh-TW" sz="2400">
@@ -9396,39 +9516,26 @@
                 <a:ea typeface="Hack NF" panose="020B0609030202020204" pitchFamily="49" charset="0"/>
                 <a:cs typeface="Hack NF" panose="020B0609030202020204" pitchFamily="49" charset="0"/>
               </a:rPr>
-              <a:t>)</a:t>
-            </a:r>
-          </a:p>
-          <a:p>
-            <a:pPr marL="0" indent="0">
-              <a:buNone/>
-            </a:pPr>
+              <a:t>+</a:t>
+            </a:r>
+            <a:r>
+              <a:rPr lang="en-US" altLang="zh-TW" sz="2400">
+                <a:solidFill>
+                  <a:srgbClr val="C00000"/>
+                </a:solidFill>
+                <a:latin typeface="Consolas" panose="020B0609020204030204" pitchFamily="49" charset="0"/>
+                <a:ea typeface="Hack NF" panose="020B0609030202020204" pitchFamily="49" charset="0"/>
+                <a:cs typeface="Hack NF" panose="020B0609030202020204" pitchFamily="49" charset="0"/>
+              </a:rPr>
+              <a:t> strB</a:t>
+            </a:r>
             <a:r>
               <a:rPr lang="en-US" altLang="zh-TW" sz="2400">
                 <a:latin typeface="Consolas" panose="020B0609020204030204" pitchFamily="49" charset="0"/>
                 <a:ea typeface="Hack NF" panose="020B0609030202020204" pitchFamily="49" charset="0"/>
                 <a:cs typeface="Hack NF" panose="020B0609030202020204" pitchFamily="49" charset="0"/>
               </a:rPr>
-              <a:t>print(type(</a:t>
-            </a:r>
-            <a:r>
-              <a:rPr lang="en-US" altLang="zh-TW" sz="2400">
-                <a:solidFill>
-                  <a:srgbClr val="0070C0"/>
-                </a:solidFill>
-                <a:latin typeface="Consolas" panose="020B0609020204030204" pitchFamily="49" charset="0"/>
-                <a:ea typeface="Hack NF" panose="020B0609030202020204" pitchFamily="49" charset="0"/>
-                <a:cs typeface="Hack NF" panose="020B0609030202020204" pitchFamily="49" charset="0"/>
-              </a:rPr>
-              <a:t>line</a:t>
-            </a:r>
-            <a:r>
-              <a:rPr lang="en-US" altLang="zh-TW" sz="2400">
-                <a:latin typeface="Consolas" panose="020B0609020204030204" pitchFamily="49" charset="0"/>
-                <a:ea typeface="Hack NF" panose="020B0609030202020204" pitchFamily="49" charset="0"/>
-                <a:cs typeface="Hack NF" panose="020B0609030202020204" pitchFamily="49" charset="0"/>
-              </a:rPr>
-              <a:t>))</a:t>
+              <a:t>)</a:t>
             </a:r>
           </a:p>
           <a:p>
@@ -9462,7 +9569,48 @@
                 <a:ea typeface="Hack NF" panose="020B0609030202020204" pitchFamily="49" charset="0"/>
                 <a:cs typeface="Hack NF" panose="020B0609030202020204" pitchFamily="49" charset="0"/>
               </a:rPr>
-              <a:t>input(“Enter a number: ”)</a:t>
+              <a:t>“Your input: ”</a:t>
+            </a:r>
+            <a:r>
+              <a:rPr lang="en-US" altLang="zh-TW" sz="2400">
+                <a:latin typeface="Consolas" panose="020B0609020204030204" pitchFamily="49" charset="0"/>
+                <a:ea typeface="Hack NF" panose="020B0609030202020204" pitchFamily="49" charset="0"/>
+                <a:cs typeface="Hack NF" panose="020B0609030202020204" pitchFamily="49" charset="0"/>
+              </a:rPr>
+              <a:t> + </a:t>
+            </a:r>
+            <a:r>
+              <a:rPr lang="en-US" altLang="zh-TW" sz="2400">
+                <a:solidFill>
+                  <a:srgbClr val="C00000"/>
+                </a:solidFill>
+                <a:latin typeface="Consolas" panose="020B0609020204030204" pitchFamily="49" charset="0"/>
+                <a:ea typeface="Hack NF" panose="020B0609030202020204" pitchFamily="49" charset="0"/>
+                <a:cs typeface="Hack NF" panose="020B0609030202020204" pitchFamily="49" charset="0"/>
+              </a:rPr>
+              <a:t>input(</a:t>
+            </a:r>
+            <a:r>
+              <a:rPr lang="en-US" altLang="zh-TW" sz="2400">
+                <a:solidFill>
+                  <a:srgbClr val="0070C0"/>
+                </a:solidFill>
+                <a:latin typeface="Consolas" panose="020B0609020204030204" pitchFamily="49" charset="0"/>
+                <a:ea typeface="Hack NF" panose="020B0609030202020204" pitchFamily="49" charset="0"/>
+                <a:cs typeface="Hack NF" panose="020B0609030202020204" pitchFamily="49" charset="0"/>
+              </a:rPr>
+              <a:t>“Say something... ”</a:t>
+            </a:r>
+            <a:r>
+              <a:rPr lang="en-US" altLang="zh-TW" sz="2400">
+                <a:solidFill>
+                  <a:srgbClr val="C00000"/>
+                </a:solidFill>
+                <a:latin typeface="Consolas" panose="020B0609020204030204" pitchFamily="49" charset="0"/>
+                <a:ea typeface="Hack NF" panose="020B0609030202020204" pitchFamily="49" charset="0"/>
+                <a:cs typeface="Hack NF" panose="020B0609030202020204" pitchFamily="49" charset="0"/>
+              </a:rPr>
+              <a:t>)</a:t>
             </a:r>
             <a:r>
               <a:rPr lang="en-US" altLang="zh-TW" sz="2400">
@@ -9478,7 +9626,7 @@
     </p:spTree>
     <p:extLst>
       <p:ext uri="{BB962C8B-B14F-4D97-AF65-F5344CB8AC3E}">
-        <p14:creationId xmlns:p14="http://schemas.microsoft.com/office/powerpoint/2010/main" val="4170397009"/>
+        <p14:creationId xmlns:p14="http://schemas.microsoft.com/office/powerpoint/2010/main" val="3160008626"/>
       </p:ext>
     </p:extLst>
   </p:cSld>
@@ -9570,272 +9718,6 @@
                 <a:ea typeface="Hack NF" panose="020B0609030202020204" pitchFamily="49" charset="0"/>
                 <a:cs typeface="Hack NF" panose="020B0609030202020204" pitchFamily="49" charset="0"/>
               </a:rPr>
-              <a:t>strA = “I am”</a:t>
-            </a:r>
-          </a:p>
-          <a:p>
-            <a:pPr marL="0" indent="0">
-              <a:buNone/>
-            </a:pPr>
-            <a:r>
-              <a:rPr lang="en-US" altLang="zh-TW" sz="2400">
-                <a:latin typeface="Consolas" panose="020B0609020204030204" pitchFamily="49" charset="0"/>
-                <a:ea typeface="Hack NF" panose="020B0609030202020204" pitchFamily="49" charset="0"/>
-                <a:cs typeface="Hack NF" panose="020B0609030202020204" pitchFamily="49" charset="0"/>
-              </a:rPr>
-              <a:t>strB = “ happy!”</a:t>
-            </a:r>
-          </a:p>
-          <a:p>
-            <a:pPr marL="0" indent="0">
-              <a:buNone/>
-            </a:pPr>
-            <a:r>
-              <a:rPr lang="en-US" altLang="zh-TW" sz="2400">
-                <a:latin typeface="Consolas" panose="020B0609020204030204" pitchFamily="49" charset="0"/>
-                <a:ea typeface="Hack NF" panose="020B0609030202020204" pitchFamily="49" charset="0"/>
-                <a:cs typeface="Hack NF" panose="020B0609030202020204" pitchFamily="49" charset="0"/>
-              </a:rPr>
-              <a:t>print(</a:t>
-            </a:r>
-            <a:r>
-              <a:rPr lang="en-US" altLang="zh-TW" sz="2400">
-                <a:solidFill>
-                  <a:srgbClr val="C00000"/>
-                </a:solidFill>
-                <a:latin typeface="Consolas" panose="020B0609020204030204" pitchFamily="49" charset="0"/>
-                <a:ea typeface="Hack NF" panose="020B0609030202020204" pitchFamily="49" charset="0"/>
-                <a:cs typeface="Hack NF" panose="020B0609030202020204" pitchFamily="49" charset="0"/>
-              </a:rPr>
-              <a:t>strA </a:t>
-            </a:r>
-            <a:r>
-              <a:rPr lang="en-US" altLang="zh-TW" sz="2400">
-                <a:latin typeface="Consolas" panose="020B0609020204030204" pitchFamily="49" charset="0"/>
-                <a:ea typeface="Hack NF" panose="020B0609030202020204" pitchFamily="49" charset="0"/>
-                <a:cs typeface="Hack NF" panose="020B0609030202020204" pitchFamily="49" charset="0"/>
-              </a:rPr>
-              <a:t>+</a:t>
-            </a:r>
-            <a:r>
-              <a:rPr lang="en-US" altLang="zh-TW" sz="2400">
-                <a:solidFill>
-                  <a:srgbClr val="C00000"/>
-                </a:solidFill>
-                <a:latin typeface="Consolas" panose="020B0609020204030204" pitchFamily="49" charset="0"/>
-                <a:ea typeface="Hack NF" panose="020B0609030202020204" pitchFamily="49" charset="0"/>
-                <a:cs typeface="Hack NF" panose="020B0609030202020204" pitchFamily="49" charset="0"/>
-              </a:rPr>
-              <a:t> “ very” </a:t>
-            </a:r>
-            <a:r>
-              <a:rPr lang="en-US" altLang="zh-TW" sz="2400">
-                <a:latin typeface="Consolas" panose="020B0609020204030204" pitchFamily="49" charset="0"/>
-                <a:ea typeface="Hack NF" panose="020B0609030202020204" pitchFamily="49" charset="0"/>
-                <a:cs typeface="Hack NF" panose="020B0609030202020204" pitchFamily="49" charset="0"/>
-              </a:rPr>
-              <a:t>+</a:t>
-            </a:r>
-            <a:r>
-              <a:rPr lang="en-US" altLang="zh-TW" sz="2400">
-                <a:solidFill>
-                  <a:srgbClr val="C00000"/>
-                </a:solidFill>
-                <a:latin typeface="Consolas" panose="020B0609020204030204" pitchFamily="49" charset="0"/>
-                <a:ea typeface="Hack NF" panose="020B0609030202020204" pitchFamily="49" charset="0"/>
-                <a:cs typeface="Hack NF" panose="020B0609030202020204" pitchFamily="49" charset="0"/>
-              </a:rPr>
-              <a:t> strB</a:t>
-            </a:r>
-            <a:r>
-              <a:rPr lang="en-US" altLang="zh-TW" sz="2400">
-                <a:latin typeface="Consolas" panose="020B0609020204030204" pitchFamily="49" charset="0"/>
-                <a:ea typeface="Hack NF" panose="020B0609030202020204" pitchFamily="49" charset="0"/>
-                <a:cs typeface="Hack NF" panose="020B0609030202020204" pitchFamily="49" charset="0"/>
-              </a:rPr>
-              <a:t>)</a:t>
-            </a:r>
-          </a:p>
-          <a:p>
-            <a:pPr marL="0" indent="0">
-              <a:buNone/>
-            </a:pPr>
-            <a:endParaRPr lang="en-US" altLang="zh-TW" sz="2400">
-              <a:latin typeface="Consolas" panose="020B0609020204030204" pitchFamily="49" charset="0"/>
-              <a:ea typeface="Hack NF" panose="020B0609030202020204" pitchFamily="49" charset="0"/>
-              <a:cs typeface="Hack NF" panose="020B0609030202020204" pitchFamily="49" charset="0"/>
-            </a:endParaRPr>
-          </a:p>
-          <a:p>
-            <a:pPr marL="0" indent="0">
-              <a:buNone/>
-            </a:pPr>
-            <a:r>
-              <a:rPr lang="en-US" altLang="zh-TW" sz="2400">
-                <a:latin typeface="Consolas" panose="020B0609020204030204" pitchFamily="49" charset="0"/>
-                <a:ea typeface="Hack NF" panose="020B0609030202020204" pitchFamily="49" charset="0"/>
-                <a:cs typeface="Hack NF" panose="020B0609030202020204" pitchFamily="49" charset="0"/>
-              </a:rPr>
-              <a:t>print(</a:t>
-            </a:r>
-            <a:r>
-              <a:rPr lang="en-US" altLang="zh-TW" sz="2400">
-                <a:solidFill>
-                  <a:srgbClr val="C00000"/>
-                </a:solidFill>
-                <a:latin typeface="Consolas" panose="020B0609020204030204" pitchFamily="49" charset="0"/>
-                <a:ea typeface="Hack NF" panose="020B0609030202020204" pitchFamily="49" charset="0"/>
-                <a:cs typeface="Hack NF" panose="020B0609030202020204" pitchFamily="49" charset="0"/>
-              </a:rPr>
-              <a:t>“Your input: ”</a:t>
-            </a:r>
-            <a:r>
-              <a:rPr lang="en-US" altLang="zh-TW" sz="2400">
-                <a:latin typeface="Consolas" panose="020B0609020204030204" pitchFamily="49" charset="0"/>
-                <a:ea typeface="Hack NF" panose="020B0609030202020204" pitchFamily="49" charset="0"/>
-                <a:cs typeface="Hack NF" panose="020B0609030202020204" pitchFamily="49" charset="0"/>
-              </a:rPr>
-              <a:t> + </a:t>
-            </a:r>
-            <a:r>
-              <a:rPr lang="en-US" altLang="zh-TW" sz="2400">
-                <a:solidFill>
-                  <a:srgbClr val="C00000"/>
-                </a:solidFill>
-                <a:latin typeface="Consolas" panose="020B0609020204030204" pitchFamily="49" charset="0"/>
-                <a:ea typeface="Hack NF" panose="020B0609030202020204" pitchFamily="49" charset="0"/>
-                <a:cs typeface="Hack NF" panose="020B0609030202020204" pitchFamily="49" charset="0"/>
-              </a:rPr>
-              <a:t>input(</a:t>
-            </a:r>
-            <a:r>
-              <a:rPr lang="en-US" altLang="zh-TW" sz="2400">
-                <a:solidFill>
-                  <a:srgbClr val="0070C0"/>
-                </a:solidFill>
-                <a:latin typeface="Consolas" panose="020B0609020204030204" pitchFamily="49" charset="0"/>
-                <a:ea typeface="Hack NF" panose="020B0609030202020204" pitchFamily="49" charset="0"/>
-                <a:cs typeface="Hack NF" panose="020B0609030202020204" pitchFamily="49" charset="0"/>
-              </a:rPr>
-              <a:t>“Say something... ”</a:t>
-            </a:r>
-            <a:r>
-              <a:rPr lang="en-US" altLang="zh-TW" sz="2400">
-                <a:solidFill>
-                  <a:srgbClr val="C00000"/>
-                </a:solidFill>
-                <a:latin typeface="Consolas" panose="020B0609020204030204" pitchFamily="49" charset="0"/>
-                <a:ea typeface="Hack NF" panose="020B0609030202020204" pitchFamily="49" charset="0"/>
-                <a:cs typeface="Hack NF" panose="020B0609030202020204" pitchFamily="49" charset="0"/>
-              </a:rPr>
-              <a:t>)</a:t>
-            </a:r>
-            <a:r>
-              <a:rPr lang="en-US" altLang="zh-TW" sz="2400">
-                <a:latin typeface="Consolas" panose="020B0609020204030204" pitchFamily="49" charset="0"/>
-                <a:ea typeface="Hack NF" panose="020B0609030202020204" pitchFamily="49" charset="0"/>
-                <a:cs typeface="Hack NF" panose="020B0609030202020204" pitchFamily="49" charset="0"/>
-              </a:rPr>
-              <a:t>)</a:t>
-            </a:r>
-          </a:p>
-        </p:txBody>
-      </p:sp>
-    </p:spTree>
-    <p:extLst>
-      <p:ext uri="{BB962C8B-B14F-4D97-AF65-F5344CB8AC3E}">
-        <p14:creationId xmlns:p14="http://schemas.microsoft.com/office/powerpoint/2010/main" val="3160008626"/>
-      </p:ext>
-    </p:extLst>
-  </p:cSld>
-  <p:clrMapOvr>
-    <a:masterClrMapping/>
-  </p:clrMapOvr>
-</p:sld>
-</file>
-
-<file path=ppt/slides/slide25.xml><?xml version="1.0" encoding="utf-8"?>
-<p:sld xmlns:a="http://schemas.openxmlformats.org/drawingml/2006/main" xmlns:r="http://schemas.openxmlformats.org/officeDocument/2006/relationships" xmlns:p="http://schemas.openxmlformats.org/presentationml/2006/main">
-  <p:cSld>
-    <p:spTree>
-      <p:nvGrpSpPr>
-        <p:cNvPr id="1" name=""/>
-        <p:cNvGrpSpPr/>
-        <p:nvPr/>
-      </p:nvGrpSpPr>
-      <p:grpSpPr>
-        <a:xfrm>
-          <a:off x="0" y="0"/>
-          <a:ext cx="0" cy="0"/>
-          <a:chOff x="0" y="0"/>
-          <a:chExt cx="0" cy="0"/>
-        </a:xfrm>
-      </p:grpSpPr>
-      <p:sp>
-        <p:nvSpPr>
-          <p:cNvPr id="2" name="標題 1">
-            <a:extLst>
-              <a:ext uri="{FF2B5EF4-FFF2-40B4-BE49-F238E27FC236}">
-                <a16:creationId xmlns:a16="http://schemas.microsoft.com/office/drawing/2014/main" id="{61E11324-6597-4ACF-8D7D-667E16A81DA3}"/>
-              </a:ext>
-            </a:extLst>
-          </p:cNvPr>
-          <p:cNvSpPr>
-            <a:spLocks noGrp="1"/>
-          </p:cNvSpPr>
-          <p:nvPr>
-            <p:ph type="title"/>
-          </p:nvPr>
-        </p:nvSpPr>
-        <p:spPr/>
-        <p:txBody>
-          <a:bodyPr/>
-          <a:lstStyle/>
-          <a:p>
-            <a:r>
-              <a:rPr lang="zh-TW" altLang="en-US"/>
-              <a:t>字串相加</a:t>
-            </a:r>
-          </a:p>
-        </p:txBody>
-      </p:sp>
-      <p:sp>
-        <p:nvSpPr>
-          <p:cNvPr id="3" name="內容版面配置區 2">
-            <a:extLst>
-              <a:ext uri="{FF2B5EF4-FFF2-40B4-BE49-F238E27FC236}">
-                <a16:creationId xmlns:a16="http://schemas.microsoft.com/office/drawing/2014/main" id="{873C5CE7-E607-4ACC-B4B2-CB47904BA3BD}"/>
-              </a:ext>
-            </a:extLst>
-          </p:cNvPr>
-          <p:cNvSpPr>
-            <a:spLocks noGrp="1"/>
-          </p:cNvSpPr>
-          <p:nvPr>
-            <p:ph idx="1"/>
-          </p:nvPr>
-        </p:nvSpPr>
-        <p:spPr>
-          <a:xfrm>
-            <a:off x="1261872" y="2523506"/>
-            <a:ext cx="8595360" cy="3656631"/>
-          </a:xfrm>
-        </p:spPr>
-        <p:txBody>
-          <a:bodyPr>
-            <a:normAutofit/>
-          </a:bodyPr>
-          <a:lstStyle/>
-          <a:p>
-            <a:pPr marL="0" indent="0">
-              <a:buNone/>
-            </a:pPr>
-            <a:r>
-              <a:rPr lang="en-US" altLang="zh-TW" sz="2400">
-                <a:latin typeface="Consolas" panose="020B0609020204030204" pitchFamily="49" charset="0"/>
-                <a:ea typeface="Hack NF" panose="020B0609030202020204" pitchFamily="49" charset="0"/>
-                <a:cs typeface="Hack NF" panose="020B0609030202020204" pitchFamily="49" charset="0"/>
-              </a:rPr>
               <a:t>num = 3</a:t>
             </a:r>
           </a:p>
@@ -9997,7 +9879,7 @@
 </p:sld>
 </file>
 
-<file path=ppt/slides/slide26.xml><?xml version="1.0" encoding="utf-8"?>
+<file path=ppt/slides/slide25.xml><?xml version="1.0" encoding="utf-8"?>
 <p:sld xmlns:a="http://schemas.openxmlformats.org/drawingml/2006/main" xmlns:r="http://schemas.openxmlformats.org/officeDocument/2006/relationships" xmlns:p="http://schemas.openxmlformats.org/presentationml/2006/main">
   <p:cSld>
     <p:spTree>
@@ -10507,7 +10389,7 @@
                     <a:lstStyle/>
                     <a:p>
                       <a:pPr algn="ctr"/>
-                      <a:endParaRPr lang="zh-TW" altLang="en-US" sz="2800" baseline="0" dirty="0">
+                      <a:endParaRPr lang="zh-TW" altLang="en-US" sz="2800" baseline="0">
                         <a:solidFill>
                           <a:schemeClr val="tx2"/>
                         </a:solidFill>
@@ -10563,7 +10445,7 @@
                     <a:lstStyle/>
                     <a:p>
                       <a:pPr algn="ctr"/>
-                      <a:endParaRPr lang="zh-TW" altLang="en-US" sz="2800" baseline="0" dirty="0">
+                      <a:endParaRPr lang="zh-TW" altLang="en-US" sz="2800" baseline="0">
                         <a:solidFill>
                           <a:schemeClr val="accent2">
                             <a:lumMod val="75000"/>
@@ -10621,7 +10503,7 @@
                     <a:lstStyle/>
                     <a:p>
                       <a:pPr algn="ctr"/>
-                      <a:endParaRPr lang="zh-TW" altLang="en-US" sz="2800" baseline="0" dirty="0">
+                      <a:endParaRPr lang="zh-TW" altLang="en-US" sz="2800" baseline="0">
                         <a:solidFill>
                           <a:schemeClr val="accent2">
                             <a:lumMod val="75000"/>
@@ -10679,7 +10561,7 @@
                     <a:lstStyle/>
                     <a:p>
                       <a:pPr algn="ctr"/>
-                      <a:endParaRPr lang="zh-TW" altLang="en-US" sz="2800" baseline="0" dirty="0">
+                      <a:endParaRPr lang="zh-TW" altLang="en-US" sz="2800" baseline="0">
                         <a:solidFill>
                           <a:schemeClr val="tx2"/>
                         </a:solidFill>
@@ -10735,7 +10617,7 @@
                     <a:lstStyle/>
                     <a:p>
                       <a:pPr algn="ctr"/>
-                      <a:endParaRPr lang="zh-TW" altLang="en-US" sz="2800" baseline="0" dirty="0">
+                      <a:endParaRPr lang="zh-TW" altLang="en-US" sz="2800" baseline="0">
                         <a:solidFill>
                           <a:schemeClr val="tx2"/>
                         </a:solidFill>
@@ -10791,7 +10673,7 @@
                     <a:lstStyle/>
                     <a:p>
                       <a:pPr algn="ctr"/>
-                      <a:endParaRPr lang="zh-TW" altLang="en-US" sz="2800" baseline="0" dirty="0">
+                      <a:endParaRPr lang="zh-TW" altLang="en-US" sz="2800" baseline="0">
                         <a:solidFill>
                           <a:schemeClr val="tx2"/>
                         </a:solidFill>
@@ -10854,7 +10736,7 @@
                     <a:lstStyle/>
                     <a:p>
                       <a:pPr algn="ctr"/>
-                      <a:endParaRPr lang="zh-TW" altLang="en-US" sz="2800" baseline="0" dirty="0">
+                      <a:endParaRPr lang="zh-TW" altLang="en-US" sz="2800" baseline="0">
                         <a:solidFill>
                           <a:schemeClr val="tx2"/>
                         </a:solidFill>
@@ -10916,7 +10798,7 @@
                     <a:lstStyle/>
                     <a:p>
                       <a:pPr algn="ctr"/>
-                      <a:endParaRPr lang="zh-TW" altLang="en-US" sz="2800" baseline="0" dirty="0">
+                      <a:endParaRPr lang="zh-TW" altLang="en-US" sz="2800" baseline="0">
                         <a:solidFill>
                           <a:schemeClr val="tx2"/>
                         </a:solidFill>
@@ -10978,7 +10860,7 @@
                     <a:lstStyle/>
                     <a:p>
                       <a:pPr algn="ctr"/>
-                      <a:endParaRPr lang="zh-TW" altLang="en-US" sz="2800" baseline="0" dirty="0">
+                      <a:endParaRPr lang="zh-TW" altLang="en-US" sz="2800" baseline="0">
                         <a:solidFill>
                           <a:schemeClr val="tx2"/>
                         </a:solidFill>
@@ -11040,7 +10922,7 @@
                     <a:lstStyle/>
                     <a:p>
                       <a:pPr algn="ctr"/>
-                      <a:endParaRPr lang="zh-TW" altLang="en-US" sz="2800" baseline="0" dirty="0">
+                      <a:endParaRPr lang="zh-TW" altLang="en-US" sz="2800" baseline="0">
                         <a:solidFill>
                           <a:schemeClr val="tx2"/>
                         </a:solidFill>
@@ -11102,7 +10984,7 @@
                     <a:lstStyle/>
                     <a:p>
                       <a:pPr algn="ctr"/>
-                      <a:endParaRPr lang="zh-TW" altLang="en-US" sz="2800" baseline="0" dirty="0">
+                      <a:endParaRPr lang="zh-TW" altLang="en-US" sz="2800" baseline="0">
                         <a:solidFill>
                           <a:schemeClr val="tx2"/>
                         </a:solidFill>
@@ -11164,7 +11046,7 @@
                     <a:lstStyle/>
                     <a:p>
                       <a:pPr algn="ctr"/>
-                      <a:endParaRPr lang="zh-TW" altLang="en-US" sz="2800" baseline="0" dirty="0">
+                      <a:endParaRPr lang="zh-TW" altLang="en-US" sz="2800" baseline="0">
                         <a:solidFill>
                           <a:schemeClr val="tx2"/>
                         </a:solidFill>
@@ -11259,7 +11141,7 @@
           <a:lstStyle/>
           <a:p>
             <a:r>
-              <a:rPr lang="en-US" altLang="zh-TW" sz="2000" dirty="0">
+              <a:rPr lang="en-US" altLang="zh-TW" sz="2000">
                 <a:solidFill>
                   <a:schemeClr val="tx2"/>
                 </a:solidFill>
@@ -11300,7 +11182,7 @@
           <a:lstStyle/>
           <a:p>
             <a:r>
-              <a:rPr lang="en-US" altLang="zh-TW" sz="2000" dirty="0">
+              <a:rPr lang="en-US" altLang="zh-TW" sz="2000">
                 <a:solidFill>
                   <a:schemeClr val="tx2"/>
                 </a:solidFill>
@@ -11449,7 +11331,7 @@
                     <a:lstStyle/>
                     <a:p>
                       <a:pPr algn="ctr"/>
-                      <a:endParaRPr lang="zh-TW" altLang="en-US" sz="2800" baseline="0" dirty="0">
+                      <a:endParaRPr lang="zh-TW" altLang="en-US" sz="2800" baseline="0">
                         <a:solidFill>
                           <a:schemeClr val="tx2"/>
                         </a:solidFill>
@@ -11505,7 +11387,7 @@
                     <a:lstStyle/>
                     <a:p>
                       <a:pPr algn="ctr"/>
-                      <a:endParaRPr lang="zh-TW" altLang="en-US" sz="2800" baseline="0" dirty="0">
+                      <a:endParaRPr lang="zh-TW" altLang="en-US" sz="2800" baseline="0">
                         <a:solidFill>
                           <a:schemeClr val="accent2">
                             <a:lumMod val="75000"/>
@@ -11563,7 +11445,7 @@
                     <a:lstStyle/>
                     <a:p>
                       <a:pPr algn="ctr"/>
-                      <a:endParaRPr lang="zh-TW" altLang="en-US" sz="2800" baseline="0" dirty="0">
+                      <a:endParaRPr lang="zh-TW" altLang="en-US" sz="2800" baseline="0">
                         <a:solidFill>
                           <a:schemeClr val="accent2">
                             <a:lumMod val="75000"/>
@@ -11621,7 +11503,7 @@
                     <a:lstStyle/>
                     <a:p>
                       <a:pPr algn="ctr"/>
-                      <a:endParaRPr lang="zh-TW" altLang="en-US" sz="2800" baseline="0" dirty="0">
+                      <a:endParaRPr lang="zh-TW" altLang="en-US" sz="2800" baseline="0">
                         <a:solidFill>
                           <a:schemeClr val="tx2"/>
                         </a:solidFill>
@@ -11677,7 +11559,7 @@
                     <a:lstStyle/>
                     <a:p>
                       <a:pPr algn="ctr"/>
-                      <a:endParaRPr lang="zh-TW" altLang="en-US" sz="2800" baseline="0" dirty="0">
+                      <a:endParaRPr lang="zh-TW" altLang="en-US" sz="2800" baseline="0">
                         <a:solidFill>
                           <a:schemeClr val="tx2"/>
                         </a:solidFill>
@@ -11733,7 +11615,7 @@
                     <a:lstStyle/>
                     <a:p>
                       <a:pPr algn="ctr"/>
-                      <a:endParaRPr lang="zh-TW" altLang="en-US" sz="2800" baseline="0" dirty="0">
+                      <a:endParaRPr lang="zh-TW" altLang="en-US" sz="2800" baseline="0">
                         <a:solidFill>
                           <a:schemeClr val="tx2"/>
                         </a:solidFill>
@@ -11796,7 +11678,7 @@
                     <a:lstStyle/>
                     <a:p>
                       <a:pPr algn="ctr"/>
-                      <a:endParaRPr lang="zh-TW" altLang="en-US" sz="2800" baseline="0" dirty="0">
+                      <a:endParaRPr lang="zh-TW" altLang="en-US" sz="2800" baseline="0">
                         <a:solidFill>
                           <a:schemeClr val="tx2"/>
                         </a:solidFill>
@@ -11858,7 +11740,7 @@
                     <a:lstStyle/>
                     <a:p>
                       <a:pPr algn="ctr"/>
-                      <a:endParaRPr lang="zh-TW" altLang="en-US" sz="2800" baseline="0" dirty="0">
+                      <a:endParaRPr lang="zh-TW" altLang="en-US" sz="2800" baseline="0">
                         <a:solidFill>
                           <a:schemeClr val="tx2"/>
                         </a:solidFill>
@@ -11920,7 +11802,7 @@
                     <a:lstStyle/>
                     <a:p>
                       <a:pPr algn="ctr"/>
-                      <a:endParaRPr lang="zh-TW" altLang="en-US" sz="2800" baseline="0" dirty="0">
+                      <a:endParaRPr lang="zh-TW" altLang="en-US" sz="2800" baseline="0">
                         <a:solidFill>
                           <a:schemeClr val="tx2"/>
                         </a:solidFill>
@@ -11982,7 +11864,7 @@
                     <a:lstStyle/>
                     <a:p>
                       <a:pPr algn="ctr"/>
-                      <a:endParaRPr lang="zh-TW" altLang="en-US" sz="2800" baseline="0" dirty="0">
+                      <a:endParaRPr lang="zh-TW" altLang="en-US" sz="2800" baseline="0">
                         <a:solidFill>
                           <a:schemeClr val="tx2"/>
                         </a:solidFill>
@@ -12044,7 +11926,7 @@
                     <a:lstStyle/>
                     <a:p>
                       <a:pPr algn="ctr"/>
-                      <a:endParaRPr lang="zh-TW" altLang="en-US" sz="2800" baseline="0" dirty="0">
+                      <a:endParaRPr lang="zh-TW" altLang="en-US" sz="2800" baseline="0">
                         <a:solidFill>
                           <a:schemeClr val="tx2"/>
                         </a:solidFill>
@@ -12106,7 +11988,7 @@
                     <a:lstStyle/>
                     <a:p>
                       <a:pPr algn="ctr"/>
-                      <a:endParaRPr lang="zh-TW" altLang="en-US" sz="2800" baseline="0" dirty="0">
+                      <a:endParaRPr lang="zh-TW" altLang="en-US" sz="2800" baseline="0">
                         <a:solidFill>
                           <a:schemeClr val="tx2"/>
                         </a:solidFill>
@@ -12201,7 +12083,7 @@
           <a:lstStyle/>
           <a:p>
             <a:r>
-              <a:rPr lang="en-US" altLang="zh-TW" sz="2000" dirty="0">
+              <a:rPr lang="en-US" altLang="zh-TW" sz="2000">
                 <a:solidFill>
                   <a:schemeClr val="tx2"/>
                 </a:solidFill>
@@ -12242,7 +12124,7 @@
           <a:lstStyle/>
           <a:p>
             <a:r>
-              <a:rPr lang="en-US" altLang="zh-TW" sz="2000" dirty="0">
+              <a:rPr lang="en-US" altLang="zh-TW" sz="2000">
                 <a:solidFill>
                   <a:schemeClr val="tx2"/>
                 </a:solidFill>
@@ -12431,7 +12313,7 @@
                     <a:lstStyle/>
                     <a:p>
                       <a:pPr algn="ctr"/>
-                      <a:endParaRPr lang="zh-TW" altLang="en-US" sz="2800" baseline="0" dirty="0">
+                      <a:endParaRPr lang="zh-TW" altLang="en-US" sz="2800" baseline="0">
                         <a:solidFill>
                           <a:srgbClr val="C00000"/>
                         </a:solidFill>
@@ -12497,7 +12379,7 @@
                         </a:rPr>
                         <a:t>a</a:t>
                       </a:r>
-                      <a:endParaRPr lang="zh-TW" altLang="en-US" sz="2800" baseline="0" dirty="0">
+                      <a:endParaRPr lang="zh-TW" altLang="en-US" sz="2800" baseline="0">
                         <a:solidFill>
                           <a:srgbClr val="C00000"/>
                         </a:solidFill>
@@ -12553,7 +12435,7 @@
                     <a:lstStyle/>
                     <a:p>
                       <a:pPr algn="ctr"/>
-                      <a:endParaRPr lang="zh-TW" altLang="en-US" sz="2800" baseline="0" dirty="0">
+                      <a:endParaRPr lang="zh-TW" altLang="en-US" sz="2800" baseline="0">
                         <a:solidFill>
                           <a:srgbClr val="C00000"/>
                         </a:solidFill>
@@ -12609,7 +12491,7 @@
                     <a:lstStyle/>
                     <a:p>
                       <a:pPr algn="ctr"/>
-                      <a:endParaRPr lang="zh-TW" altLang="en-US" sz="2800" baseline="0" dirty="0">
+                      <a:endParaRPr lang="zh-TW" altLang="en-US" sz="2800" baseline="0">
                         <a:solidFill>
                           <a:srgbClr val="C00000"/>
                         </a:solidFill>
@@ -12665,7 +12547,7 @@
                     <a:lstStyle/>
                     <a:p>
                       <a:pPr algn="ctr"/>
-                      <a:endParaRPr lang="zh-TW" altLang="en-US" sz="2800" baseline="0" dirty="0">
+                      <a:endParaRPr lang="zh-TW" altLang="en-US" sz="2800" baseline="0">
                         <a:solidFill>
                           <a:srgbClr val="C00000"/>
                         </a:solidFill>
@@ -12721,7 +12603,7 @@
                     <a:lstStyle/>
                     <a:p>
                       <a:pPr algn="ctr"/>
-                      <a:endParaRPr lang="zh-TW" altLang="en-US" sz="2800" baseline="0" dirty="0">
+                      <a:endParaRPr lang="zh-TW" altLang="en-US" sz="2800" baseline="0">
                         <a:solidFill>
                           <a:srgbClr val="C00000"/>
                         </a:solidFill>
@@ -12784,7 +12666,7 @@
                     <a:lstStyle/>
                     <a:p>
                       <a:pPr algn="ctr"/>
-                      <a:endParaRPr lang="zh-TW" altLang="en-US" sz="2800" baseline="0" dirty="0">
+                      <a:endParaRPr lang="zh-TW" altLang="en-US" sz="2800" baseline="0">
                         <a:solidFill>
                           <a:schemeClr val="tx2"/>
                         </a:solidFill>
@@ -12856,7 +12738,7 @@
                         </a:rPr>
                         <a:t>5</a:t>
                       </a:r>
-                      <a:endParaRPr lang="zh-TW" altLang="en-US" sz="2800" baseline="0" dirty="0">
+                      <a:endParaRPr lang="zh-TW" altLang="en-US" sz="2800" baseline="0">
                         <a:solidFill>
                           <a:schemeClr val="tx2"/>
                         </a:solidFill>
@@ -12918,7 +12800,7 @@
                     <a:lstStyle/>
                     <a:p>
                       <a:pPr algn="ctr"/>
-                      <a:endParaRPr lang="zh-TW" altLang="en-US" sz="2800" baseline="0" dirty="0">
+                      <a:endParaRPr lang="zh-TW" altLang="en-US" sz="2800" baseline="0">
                         <a:solidFill>
                           <a:schemeClr val="tx2"/>
                         </a:solidFill>
@@ -12980,7 +12862,7 @@
                     <a:lstStyle/>
                     <a:p>
                       <a:pPr algn="ctr"/>
-                      <a:endParaRPr lang="zh-TW" altLang="en-US" sz="2800" baseline="0" dirty="0">
+                      <a:endParaRPr lang="zh-TW" altLang="en-US" sz="2800" baseline="0">
                         <a:solidFill>
                           <a:schemeClr val="tx2"/>
                         </a:solidFill>
@@ -13042,7 +12924,7 @@
                     <a:lstStyle/>
                     <a:p>
                       <a:pPr algn="ctr"/>
-                      <a:endParaRPr lang="zh-TW" altLang="en-US" sz="2800" baseline="0" dirty="0">
+                      <a:endParaRPr lang="zh-TW" altLang="en-US" sz="2800" baseline="0">
                         <a:solidFill>
                           <a:schemeClr val="tx2"/>
                         </a:solidFill>
@@ -13104,7 +12986,7 @@
                     <a:lstStyle/>
                     <a:p>
                       <a:pPr algn="ctr"/>
-                      <a:endParaRPr lang="zh-TW" altLang="en-US" sz="2800" baseline="0" dirty="0">
+                      <a:endParaRPr lang="zh-TW" altLang="en-US" sz="2800" baseline="0">
                         <a:solidFill>
                           <a:schemeClr val="tx2"/>
                         </a:solidFill>
@@ -13199,7 +13081,7 @@
           <a:lstStyle/>
           <a:p>
             <a:r>
-              <a:rPr lang="en-US" altLang="zh-TW" sz="2000" dirty="0">
+              <a:rPr lang="en-US" altLang="zh-TW" sz="2000">
                 <a:solidFill>
                   <a:schemeClr val="tx2"/>
                 </a:solidFill>
@@ -13240,7 +13122,7 @@
           <a:lstStyle/>
           <a:p>
             <a:r>
-              <a:rPr lang="en-US" altLang="zh-TW" sz="2000" dirty="0">
+              <a:rPr lang="en-US" altLang="zh-TW" sz="2000">
                 <a:solidFill>
                   <a:schemeClr val="tx2"/>
                 </a:solidFill>
@@ -13429,7 +13311,7 @@
                     <a:lstStyle/>
                     <a:p>
                       <a:pPr algn="ctr"/>
-                      <a:endParaRPr lang="zh-TW" altLang="en-US" sz="2800" baseline="0" dirty="0">
+                      <a:endParaRPr lang="zh-TW" altLang="en-US" sz="2800" baseline="0">
                         <a:solidFill>
                           <a:srgbClr val="C00000"/>
                         </a:solidFill>
@@ -13495,7 +13377,7 @@
                         </a:rPr>
                         <a:t>a</a:t>
                       </a:r>
-                      <a:endParaRPr lang="zh-TW" altLang="en-US" sz="2800" baseline="0" dirty="0">
+                      <a:endParaRPr lang="zh-TW" altLang="en-US" sz="2800" baseline="0">
                         <a:solidFill>
                           <a:srgbClr val="C00000"/>
                         </a:solidFill>
@@ -13551,7 +13433,7 @@
                     <a:lstStyle/>
                     <a:p>
                       <a:pPr algn="ctr"/>
-                      <a:endParaRPr lang="zh-TW" altLang="en-US" sz="2800" baseline="0" dirty="0">
+                      <a:endParaRPr lang="zh-TW" altLang="en-US" sz="2800" baseline="0">
                         <a:solidFill>
                           <a:srgbClr val="C00000"/>
                         </a:solidFill>
@@ -13607,7 +13489,7 @@
                     <a:lstStyle/>
                     <a:p>
                       <a:pPr algn="ctr"/>
-                      <a:endParaRPr lang="zh-TW" altLang="en-US" sz="2800" baseline="0" dirty="0">
+                      <a:endParaRPr lang="zh-TW" altLang="en-US" sz="2800" baseline="0">
                         <a:solidFill>
                           <a:srgbClr val="C00000"/>
                         </a:solidFill>
@@ -13663,7 +13545,7 @@
                     <a:lstStyle/>
                     <a:p>
                       <a:pPr algn="ctr"/>
-                      <a:endParaRPr lang="zh-TW" altLang="en-US" sz="2800" baseline="0" dirty="0">
+                      <a:endParaRPr lang="zh-TW" altLang="en-US" sz="2800" baseline="0">
                         <a:solidFill>
                           <a:srgbClr val="C00000"/>
                         </a:solidFill>
@@ -13719,7 +13601,7 @@
                     <a:lstStyle/>
                     <a:p>
                       <a:pPr algn="ctr"/>
-                      <a:endParaRPr lang="zh-TW" altLang="en-US" sz="2800" baseline="0" dirty="0">
+                      <a:endParaRPr lang="zh-TW" altLang="en-US" sz="2800" baseline="0">
                         <a:solidFill>
                           <a:srgbClr val="C00000"/>
                         </a:solidFill>
@@ -13782,7 +13664,7 @@
                     <a:lstStyle/>
                     <a:p>
                       <a:pPr algn="ctr"/>
-                      <a:endParaRPr lang="zh-TW" altLang="en-US" sz="2800" baseline="0" dirty="0">
+                      <a:endParaRPr lang="zh-TW" altLang="en-US" sz="2800" baseline="0">
                         <a:solidFill>
                           <a:schemeClr val="tx2"/>
                         </a:solidFill>
@@ -13854,7 +13736,7 @@
                         </a:rPr>
                         <a:t>5</a:t>
                       </a:r>
-                      <a:endParaRPr lang="zh-TW" altLang="en-US" sz="2800" baseline="0" dirty="0">
+                      <a:endParaRPr lang="zh-TW" altLang="en-US" sz="2800" baseline="0">
                         <a:solidFill>
                           <a:schemeClr val="tx2"/>
                         </a:solidFill>
@@ -13916,7 +13798,7 @@
                     <a:lstStyle/>
                     <a:p>
                       <a:pPr algn="ctr"/>
-                      <a:endParaRPr lang="zh-TW" altLang="en-US" sz="2800" baseline="0" dirty="0">
+                      <a:endParaRPr lang="zh-TW" altLang="en-US" sz="2800" baseline="0">
                         <a:solidFill>
                           <a:schemeClr val="tx2"/>
                         </a:solidFill>
@@ -13978,7 +13860,7 @@
                     <a:lstStyle/>
                     <a:p>
                       <a:pPr algn="ctr"/>
-                      <a:endParaRPr lang="zh-TW" altLang="en-US" sz="2800" baseline="0" dirty="0">
+                      <a:endParaRPr lang="zh-TW" altLang="en-US" sz="2800" baseline="0">
                         <a:solidFill>
                           <a:schemeClr val="tx2"/>
                         </a:solidFill>
@@ -14040,7 +13922,7 @@
                     <a:lstStyle/>
                     <a:p>
                       <a:pPr algn="ctr"/>
-                      <a:endParaRPr lang="zh-TW" altLang="en-US" sz="2800" baseline="0" dirty="0">
+                      <a:endParaRPr lang="zh-TW" altLang="en-US" sz="2800" baseline="0">
                         <a:solidFill>
                           <a:schemeClr val="tx2"/>
                         </a:solidFill>
@@ -14102,7 +13984,7 @@
                     <a:lstStyle/>
                     <a:p>
                       <a:pPr algn="ctr"/>
-                      <a:endParaRPr lang="zh-TW" altLang="en-US" sz="2800" baseline="0" dirty="0">
+                      <a:endParaRPr lang="zh-TW" altLang="en-US" sz="2800" baseline="0">
                         <a:solidFill>
                           <a:schemeClr val="tx2"/>
                         </a:solidFill>
@@ -14197,7 +14079,7 @@
           <a:lstStyle/>
           <a:p>
             <a:r>
-              <a:rPr lang="en-US" altLang="zh-TW" sz="2000" dirty="0">
+              <a:rPr lang="en-US" altLang="zh-TW" sz="2000">
                 <a:solidFill>
                   <a:schemeClr val="tx2"/>
                 </a:solidFill>
@@ -14238,7 +14120,7 @@
           <a:lstStyle/>
           <a:p>
             <a:r>
-              <a:rPr lang="en-US" altLang="zh-TW" sz="2000" dirty="0">
+              <a:rPr lang="en-US" altLang="zh-TW" sz="2000">
                 <a:solidFill>
                   <a:schemeClr val="tx2"/>
                 </a:solidFill>
@@ -14467,7 +14349,7 @@
                     <a:lstStyle/>
                     <a:p>
                       <a:pPr algn="ctr"/>
-                      <a:endParaRPr lang="zh-TW" altLang="en-US" sz="2800" baseline="0" dirty="0">
+                      <a:endParaRPr lang="zh-TW" altLang="en-US" sz="2800" baseline="0">
                         <a:solidFill>
                           <a:srgbClr val="C00000"/>
                         </a:solidFill>
@@ -14533,7 +14415,7 @@
                         </a:rPr>
                         <a:t>a</a:t>
                       </a:r>
-                      <a:endParaRPr lang="zh-TW" altLang="en-US" sz="2800" baseline="0" dirty="0">
+                      <a:endParaRPr lang="zh-TW" altLang="en-US" sz="2800" baseline="0">
                         <a:solidFill>
                           <a:srgbClr val="C00000"/>
                         </a:solidFill>
@@ -14589,7 +14471,7 @@
                     <a:lstStyle/>
                     <a:p>
                       <a:pPr algn="ctr"/>
-                      <a:endParaRPr lang="zh-TW" altLang="en-US" sz="2800" baseline="0" dirty="0">
+                      <a:endParaRPr lang="zh-TW" altLang="en-US" sz="2800" baseline="0">
                         <a:solidFill>
                           <a:srgbClr val="C00000"/>
                         </a:solidFill>
@@ -14645,7 +14527,7 @@
                     <a:lstStyle/>
                     <a:p>
                       <a:pPr algn="ctr"/>
-                      <a:endParaRPr lang="zh-TW" altLang="en-US" sz="2800" baseline="0" dirty="0">
+                      <a:endParaRPr lang="zh-TW" altLang="en-US" sz="2800" baseline="0">
                         <a:solidFill>
                           <a:srgbClr val="C00000"/>
                         </a:solidFill>
@@ -14701,7 +14583,7 @@
                     <a:lstStyle/>
                     <a:p>
                       <a:pPr algn="ctr"/>
-                      <a:endParaRPr lang="zh-TW" altLang="en-US" sz="2800" baseline="0" dirty="0">
+                      <a:endParaRPr lang="zh-TW" altLang="en-US" sz="2800" baseline="0">
                         <a:solidFill>
                           <a:srgbClr val="C00000"/>
                         </a:solidFill>
@@ -14757,7 +14639,7 @@
                     <a:lstStyle/>
                     <a:p>
                       <a:pPr algn="ctr"/>
-                      <a:endParaRPr lang="zh-TW" altLang="en-US" sz="2800" baseline="0" dirty="0">
+                      <a:endParaRPr lang="zh-TW" altLang="en-US" sz="2800" baseline="0">
                         <a:solidFill>
                           <a:srgbClr val="C00000"/>
                         </a:solidFill>
@@ -14820,7 +14702,7 @@
                     <a:lstStyle/>
                     <a:p>
                       <a:pPr algn="ctr"/>
-                      <a:endParaRPr lang="zh-TW" altLang="en-US" sz="2800" baseline="0" dirty="0">
+                      <a:endParaRPr lang="zh-TW" altLang="en-US" sz="2800" baseline="0">
                         <a:solidFill>
                           <a:schemeClr val="tx2"/>
                         </a:solidFill>
@@ -14892,7 +14774,7 @@
                         </a:rPr>
                         <a:t>5</a:t>
                       </a:r>
-                      <a:endParaRPr lang="zh-TW" altLang="en-US" sz="2800" baseline="0" dirty="0">
+                      <a:endParaRPr lang="zh-TW" altLang="en-US" sz="2800" baseline="0">
                         <a:solidFill>
                           <a:schemeClr val="tx2"/>
                         </a:solidFill>
@@ -14954,7 +14836,7 @@
                     <a:lstStyle/>
                     <a:p>
                       <a:pPr algn="ctr"/>
-                      <a:endParaRPr lang="zh-TW" altLang="en-US" sz="2800" baseline="0" dirty="0">
+                      <a:endParaRPr lang="zh-TW" altLang="en-US" sz="2800" baseline="0">
                         <a:solidFill>
                           <a:schemeClr val="tx2"/>
                         </a:solidFill>
@@ -15016,7 +14898,7 @@
                     <a:lstStyle/>
                     <a:p>
                       <a:pPr algn="ctr"/>
-                      <a:endParaRPr lang="zh-TW" altLang="en-US" sz="2800" baseline="0" dirty="0">
+                      <a:endParaRPr lang="zh-TW" altLang="en-US" sz="2800" baseline="0">
                         <a:solidFill>
                           <a:schemeClr val="tx2"/>
                         </a:solidFill>
@@ -15078,7 +14960,7 @@
                     <a:lstStyle/>
                     <a:p>
                       <a:pPr algn="ctr"/>
-                      <a:endParaRPr lang="zh-TW" altLang="en-US" sz="2800" baseline="0" dirty="0">
+                      <a:endParaRPr lang="zh-TW" altLang="en-US" sz="2800" baseline="0">
                         <a:solidFill>
                           <a:schemeClr val="tx2"/>
                         </a:solidFill>
@@ -15140,7 +15022,7 @@
                     <a:lstStyle/>
                     <a:p>
                       <a:pPr algn="ctr"/>
-                      <a:endParaRPr lang="zh-TW" altLang="en-US" sz="2800" baseline="0" dirty="0">
+                      <a:endParaRPr lang="zh-TW" altLang="en-US" sz="2800" baseline="0">
                         <a:solidFill>
                           <a:schemeClr val="tx2"/>
                         </a:solidFill>
@@ -15235,7 +15117,7 @@
           <a:lstStyle/>
           <a:p>
             <a:r>
-              <a:rPr lang="en-US" altLang="zh-TW" sz="2000" dirty="0">
+              <a:rPr lang="en-US" altLang="zh-TW" sz="2000">
                 <a:solidFill>
                   <a:schemeClr val="tx2"/>
                 </a:solidFill>
@@ -15276,7 +15158,7 @@
           <a:lstStyle/>
           <a:p>
             <a:r>
-              <a:rPr lang="en-US" altLang="zh-TW" sz="2000" dirty="0">
+              <a:rPr lang="en-US" altLang="zh-TW" sz="2000">
                 <a:solidFill>
                   <a:schemeClr val="tx2"/>
                 </a:solidFill>
@@ -15505,7 +15387,7 @@
                     <a:lstStyle/>
                     <a:p>
                       <a:pPr algn="ctr"/>
-                      <a:endParaRPr lang="zh-TW" altLang="en-US" sz="2800" baseline="0" dirty="0">
+                      <a:endParaRPr lang="zh-TW" altLang="en-US" sz="2800" baseline="0">
                         <a:solidFill>
                           <a:srgbClr val="C00000"/>
                         </a:solidFill>
@@ -15571,7 +15453,7 @@
                         </a:rPr>
                         <a:t>a</a:t>
                       </a:r>
-                      <a:endParaRPr lang="zh-TW" altLang="en-US" sz="2800" baseline="0" dirty="0">
+                      <a:endParaRPr lang="zh-TW" altLang="en-US" sz="2800" baseline="0">
                         <a:solidFill>
                           <a:srgbClr val="C00000"/>
                         </a:solidFill>
@@ -15637,7 +15519,7 @@
                         </a:rPr>
                         <a:t>num</a:t>
                       </a:r>
-                      <a:endParaRPr lang="zh-TW" altLang="en-US" sz="2800" baseline="0" dirty="0">
+                      <a:endParaRPr lang="zh-TW" altLang="en-US" sz="2800" baseline="0">
                         <a:solidFill>
                           <a:srgbClr val="C00000"/>
                         </a:solidFill>
@@ -15693,7 +15575,7 @@
                     <a:lstStyle/>
                     <a:p>
                       <a:pPr algn="ctr"/>
-                      <a:endParaRPr lang="zh-TW" altLang="en-US" sz="2800" baseline="0" dirty="0">
+                      <a:endParaRPr lang="zh-TW" altLang="en-US" sz="2800" baseline="0">
                         <a:solidFill>
                           <a:srgbClr val="C00000"/>
                         </a:solidFill>
@@ -15749,7 +15631,7 @@
                     <a:lstStyle/>
                     <a:p>
                       <a:pPr algn="ctr"/>
-                      <a:endParaRPr lang="zh-TW" altLang="en-US" sz="2800" baseline="0" dirty="0">
+                      <a:endParaRPr lang="zh-TW" altLang="en-US" sz="2800" baseline="0">
                         <a:solidFill>
                           <a:srgbClr val="C00000"/>
                         </a:solidFill>
@@ -15805,7 +15687,7 @@
                     <a:lstStyle/>
                     <a:p>
                       <a:pPr algn="ctr"/>
-                      <a:endParaRPr lang="zh-TW" altLang="en-US" sz="2800" baseline="0" dirty="0">
+                      <a:endParaRPr lang="zh-TW" altLang="en-US" sz="2800" baseline="0">
                         <a:solidFill>
                           <a:srgbClr val="C00000"/>
                         </a:solidFill>
@@ -15868,7 +15750,7 @@
                     <a:lstStyle/>
                     <a:p>
                       <a:pPr algn="ctr"/>
-                      <a:endParaRPr lang="zh-TW" altLang="en-US" sz="2800" baseline="0" dirty="0">
+                      <a:endParaRPr lang="zh-TW" altLang="en-US" sz="2800" baseline="0">
                         <a:solidFill>
                           <a:schemeClr val="tx2"/>
                         </a:solidFill>
@@ -15940,7 +15822,7 @@
                         </a:rPr>
                         <a:t>5</a:t>
                       </a:r>
-                      <a:endParaRPr lang="zh-TW" altLang="en-US" sz="2800" baseline="0" dirty="0">
+                      <a:endParaRPr lang="zh-TW" altLang="en-US" sz="2800" baseline="0">
                         <a:solidFill>
                           <a:schemeClr val="tx2"/>
                         </a:solidFill>
@@ -16012,7 +15894,7 @@
                         </a:rPr>
                         <a:t>-2</a:t>
                       </a:r>
-                      <a:endParaRPr lang="zh-TW" altLang="en-US" sz="2800" baseline="0" dirty="0">
+                      <a:endParaRPr lang="zh-TW" altLang="en-US" sz="2800" baseline="0">
                         <a:solidFill>
                           <a:schemeClr val="tx2"/>
                         </a:solidFill>
@@ -16074,7 +15956,7 @@
                     <a:lstStyle/>
                     <a:p>
                       <a:pPr algn="ctr"/>
-                      <a:endParaRPr lang="zh-TW" altLang="en-US" sz="2800" baseline="0" dirty="0">
+                      <a:endParaRPr lang="zh-TW" altLang="en-US" sz="2800" baseline="0">
                         <a:solidFill>
                           <a:schemeClr val="tx2"/>
                         </a:solidFill>
@@ -16136,7 +16018,7 @@
                     <a:lstStyle/>
                     <a:p>
                       <a:pPr algn="ctr"/>
-                      <a:endParaRPr lang="zh-TW" altLang="en-US" sz="2800" baseline="0" dirty="0">
+                      <a:endParaRPr lang="zh-TW" altLang="en-US" sz="2800" baseline="0">
                         <a:solidFill>
                           <a:schemeClr val="tx2"/>
                         </a:solidFill>
@@ -16198,7 +16080,7 @@
                     <a:lstStyle/>
                     <a:p>
                       <a:pPr algn="ctr"/>
-                      <a:endParaRPr lang="zh-TW" altLang="en-US" sz="2800" baseline="0" dirty="0">
+                      <a:endParaRPr lang="zh-TW" altLang="en-US" sz="2800" baseline="0">
                         <a:solidFill>
                           <a:schemeClr val="tx2"/>
                         </a:solidFill>
@@ -16293,7 +16175,7 @@
           <a:lstStyle/>
           <a:p>
             <a:r>
-              <a:rPr lang="en-US" altLang="zh-TW" sz="2000" dirty="0">
+              <a:rPr lang="en-US" altLang="zh-TW" sz="2000">
                 <a:solidFill>
                   <a:schemeClr val="tx2"/>
                 </a:solidFill>
@@ -16334,7 +16216,7 @@
           <a:lstStyle/>
           <a:p>
             <a:r>
-              <a:rPr lang="en-US" altLang="zh-TW" sz="2000" dirty="0">
+              <a:rPr lang="en-US" altLang="zh-TW" sz="2000">
                 <a:solidFill>
                   <a:schemeClr val="tx2"/>
                 </a:solidFill>
@@ -16563,7 +16445,7 @@
                     <a:lstStyle/>
                     <a:p>
                       <a:pPr algn="ctr"/>
-                      <a:endParaRPr lang="zh-TW" altLang="en-US" sz="2800" baseline="0" dirty="0">
+                      <a:endParaRPr lang="zh-TW" altLang="en-US" sz="2800" baseline="0">
                         <a:solidFill>
                           <a:srgbClr val="C00000"/>
                         </a:solidFill>
@@ -16629,7 +16511,7 @@
                         </a:rPr>
                         <a:t>a</a:t>
                       </a:r>
-                      <a:endParaRPr lang="zh-TW" altLang="en-US" sz="2800" baseline="0" dirty="0">
+                      <a:endParaRPr lang="zh-TW" altLang="en-US" sz="2800" baseline="0">
                         <a:solidFill>
                           <a:srgbClr val="C00000"/>
                         </a:solidFill>
@@ -16695,7 +16577,7 @@
                         </a:rPr>
                         <a:t>num</a:t>
                       </a:r>
-                      <a:endParaRPr lang="zh-TW" altLang="en-US" sz="2800" baseline="0" dirty="0">
+                      <a:endParaRPr lang="zh-TW" altLang="en-US" sz="2800" baseline="0">
                         <a:solidFill>
                           <a:srgbClr val="C00000"/>
                         </a:solidFill>
@@ -16751,7 +16633,7 @@
                     <a:lstStyle/>
                     <a:p>
                       <a:pPr algn="ctr"/>
-                      <a:endParaRPr lang="zh-TW" altLang="en-US" sz="2800" baseline="0" dirty="0">
+                      <a:endParaRPr lang="zh-TW" altLang="en-US" sz="2800" baseline="0">
                         <a:solidFill>
                           <a:srgbClr val="C00000"/>
                         </a:solidFill>
@@ -16807,7 +16689,7 @@
                     <a:lstStyle/>
                     <a:p>
                       <a:pPr algn="ctr"/>
-                      <a:endParaRPr lang="zh-TW" altLang="en-US" sz="2800" baseline="0" dirty="0">
+                      <a:endParaRPr lang="zh-TW" altLang="en-US" sz="2800" baseline="0">
                         <a:solidFill>
                           <a:srgbClr val="C00000"/>
                         </a:solidFill>
@@ -16863,7 +16745,7 @@
                     <a:lstStyle/>
                     <a:p>
                       <a:pPr algn="ctr"/>
-                      <a:endParaRPr lang="zh-TW" altLang="en-US" sz="2800" baseline="0" dirty="0">
+                      <a:endParaRPr lang="zh-TW" altLang="en-US" sz="2800" baseline="0">
                         <a:solidFill>
                           <a:srgbClr val="C00000"/>
                         </a:solidFill>
@@ -16926,7 +16808,7 @@
                     <a:lstStyle/>
                     <a:p>
                       <a:pPr algn="ctr"/>
-                      <a:endParaRPr lang="zh-TW" altLang="en-US" sz="2800" baseline="0" dirty="0">
+                      <a:endParaRPr lang="zh-TW" altLang="en-US" sz="2800" baseline="0">
                         <a:solidFill>
                           <a:schemeClr val="tx2"/>
                         </a:solidFill>
@@ -16998,7 +16880,7 @@
                         </a:rPr>
                         <a:t>5</a:t>
                       </a:r>
-                      <a:endParaRPr lang="zh-TW" altLang="en-US" sz="2800" baseline="0" dirty="0">
+                      <a:endParaRPr lang="zh-TW" altLang="en-US" sz="2800" baseline="0">
                         <a:solidFill>
                           <a:schemeClr val="tx2"/>
                         </a:solidFill>
@@ -17070,7 +16952,7 @@
                         </a:rPr>
                         <a:t>-2</a:t>
                       </a:r>
-                      <a:endParaRPr lang="zh-TW" altLang="en-US" sz="2800" baseline="0" dirty="0">
+                      <a:endParaRPr lang="zh-TW" altLang="en-US" sz="2800" baseline="0">
                         <a:solidFill>
                           <a:schemeClr val="tx2"/>
                         </a:solidFill>
@@ -17132,7 +17014,7 @@
                     <a:lstStyle/>
                     <a:p>
                       <a:pPr algn="ctr"/>
-                      <a:endParaRPr lang="zh-TW" altLang="en-US" sz="2800" baseline="0" dirty="0">
+                      <a:endParaRPr lang="zh-TW" altLang="en-US" sz="2800" baseline="0">
                         <a:solidFill>
                           <a:schemeClr val="tx2"/>
                         </a:solidFill>
@@ -17194,7 +17076,7 @@
                     <a:lstStyle/>
                     <a:p>
                       <a:pPr algn="ctr"/>
-                      <a:endParaRPr lang="zh-TW" altLang="en-US" sz="2800" baseline="0" dirty="0">
+                      <a:endParaRPr lang="zh-TW" altLang="en-US" sz="2800" baseline="0">
                         <a:solidFill>
                           <a:schemeClr val="tx2"/>
                         </a:solidFill>
@@ -17256,7 +17138,7 @@
                     <a:lstStyle/>
                     <a:p>
                       <a:pPr algn="ctr"/>
-                      <a:endParaRPr lang="zh-TW" altLang="en-US" sz="2800" baseline="0" dirty="0">
+                      <a:endParaRPr lang="zh-TW" altLang="en-US" sz="2800" baseline="0">
                         <a:solidFill>
                           <a:schemeClr val="tx2"/>
                         </a:solidFill>
@@ -17351,7 +17233,7 @@
           <a:lstStyle/>
           <a:p>
             <a:r>
-              <a:rPr lang="en-US" altLang="zh-TW" sz="2000" dirty="0">
+              <a:rPr lang="en-US" altLang="zh-TW" sz="2000">
                 <a:solidFill>
                   <a:schemeClr val="tx2"/>
                 </a:solidFill>
@@ -17392,7 +17274,7 @@
           <a:lstStyle/>
           <a:p>
             <a:r>
-              <a:rPr lang="en-US" altLang="zh-TW" sz="2000" dirty="0">
+              <a:rPr lang="en-US" altLang="zh-TW" sz="2000">
                 <a:solidFill>
                   <a:schemeClr val="tx2"/>
                 </a:solidFill>
@@ -17553,7 +17435,7 @@
           <a:lstStyle/>
           <a:p>
             <a:r>
-              <a:rPr lang="en-US" altLang="zh-TW" sz="4400" b="1" dirty="0">
+              <a:rPr lang="en-US" altLang="zh-TW" sz="4400" b="1">
                 <a:solidFill>
                   <a:srgbClr val="C00000"/>
                 </a:solidFill>
@@ -17562,7 +17444,7 @@
               </a:rPr>
               <a:t>?</a:t>
             </a:r>
-            <a:endParaRPr lang="zh-TW" altLang="en-US" sz="4400" b="1" dirty="0">
+            <a:endParaRPr lang="zh-TW" altLang="en-US" sz="4400" b="1">
               <a:solidFill>
                 <a:srgbClr val="C00000"/>
               </a:solidFill>
